--- a/tutorial28/tutorial28.pptx
+++ b/tutorial28/tutorial28.pptx
@@ -8,6 +8,7 @@
     <p:sldId id="256" r:id="rId2"/>
     <p:sldId id="259" r:id="rId3"/>
     <p:sldId id="260" r:id="rId4"/>
+    <p:sldId id="261" r:id="rId5"/>
   </p:sldIdLst>
   <p:sldSz cx="12192000" cy="6858000"/>
   <p:notesSz cx="6858000" cy="9144000"/>
@@ -108,7 +109,7 @@
   </p:defaultTextStyle>
   <p:extLst>
     <p:ext uri="{EFAFB233-063F-42B5-8137-9DF3F51BA10A}">
-      <p15:sldGuideLst xmlns:p15="http://schemas.microsoft.com/office/powerpoint/2012/main">
+      <p15:sldGuideLst xmlns="" xmlns:p15="http://schemas.microsoft.com/office/powerpoint/2012/main">
         <p15:guide id="1" orient="horz" pos="2160">
           <p15:clr>
             <a:srgbClr val="A4A3A4"/>
@@ -147,7 +148,7 @@
           <p:cNvPr id="14" name="Rectangle 13">
             <a:extLst>
               <a:ext uri="{FF2B5EF4-FFF2-40B4-BE49-F238E27FC236}">
-                <a16:creationId xmlns:a16="http://schemas.microsoft.com/office/drawing/2014/main" id="{9D3B3C7E-BC2D-4436-8B03-AC421FA66787}"/>
+                <a16:creationId xmlns="" xmlns:a16="http://schemas.microsoft.com/office/drawing/2014/main" id="{9D3B3C7E-BC2D-4436-8B03-AC421FA66787}"/>
               </a:ext>
             </a:extLst>
           </p:cNvPr>
@@ -199,7 +200,7 @@
           <p:cNvPr id="2" name="Title 1">
             <a:extLst>
               <a:ext uri="{FF2B5EF4-FFF2-40B4-BE49-F238E27FC236}">
-                <a16:creationId xmlns:a16="http://schemas.microsoft.com/office/drawing/2014/main" id="{0B66887E-4265-46F7-9DE0-605FFFC90761}"/>
+                <a16:creationId xmlns="" xmlns:a16="http://schemas.microsoft.com/office/drawing/2014/main" id="{0B66887E-4265-46F7-9DE0-605FFFC90761}"/>
               </a:ext>
             </a:extLst>
           </p:cNvPr>
@@ -241,7 +242,7 @@
           <p:cNvPr id="3" name="Subtitle 2">
             <a:extLst>
               <a:ext uri="{FF2B5EF4-FFF2-40B4-BE49-F238E27FC236}">
-                <a16:creationId xmlns:a16="http://schemas.microsoft.com/office/drawing/2014/main" id="{7EDB1A74-54F5-45CA-8922-87FFD57515D4}"/>
+                <a16:creationId xmlns="" xmlns:a16="http://schemas.microsoft.com/office/drawing/2014/main" id="{7EDB1A74-54F5-45CA-8922-87FFD57515D4}"/>
               </a:ext>
             </a:extLst>
           </p:cNvPr>
@@ -316,7 +317,7 @@
           <p:cNvPr id="4" name="Date Placeholder 3">
             <a:extLst>
               <a:ext uri="{FF2B5EF4-FFF2-40B4-BE49-F238E27FC236}">
-                <a16:creationId xmlns:a16="http://schemas.microsoft.com/office/drawing/2014/main" id="{0B6BE6EF-9D0F-4ABF-B92C-E967FE3F16CF}"/>
+                <a16:creationId xmlns="" xmlns:a16="http://schemas.microsoft.com/office/drawing/2014/main" id="{0B6BE6EF-9D0F-4ABF-B92C-E967FE3F16CF}"/>
               </a:ext>
             </a:extLst>
           </p:cNvPr>
@@ -334,7 +335,7 @@
           <a:p>
             <a:fld id="{C485584D-7D79-4248-9986-4CA35242F944}" type="datetimeFigureOut">
               <a:rPr lang="en-US" smtClean="0"/>
-              <a:t>1/3/24</a:t>
+              <a:t>1/4/2024</a:t>
             </a:fld>
             <a:endParaRPr lang="en-US"/>
           </a:p>
@@ -345,7 +346,7 @@
           <p:cNvPr id="5" name="Footer Placeholder 4">
             <a:extLst>
               <a:ext uri="{FF2B5EF4-FFF2-40B4-BE49-F238E27FC236}">
-                <a16:creationId xmlns:a16="http://schemas.microsoft.com/office/drawing/2014/main" id="{4E4AB150-954C-4F02-89AC-DA7163D75C39}"/>
+                <a16:creationId xmlns="" xmlns:a16="http://schemas.microsoft.com/office/drawing/2014/main" id="{4E4AB150-954C-4F02-89AC-DA7163D75C39}"/>
               </a:ext>
             </a:extLst>
           </p:cNvPr>
@@ -375,7 +376,7 @@
           <p:cNvPr id="6" name="Slide Number Placeholder 5">
             <a:extLst>
               <a:ext uri="{FF2B5EF4-FFF2-40B4-BE49-F238E27FC236}">
-                <a16:creationId xmlns:a16="http://schemas.microsoft.com/office/drawing/2014/main" id="{E8E16270-CBD7-4ACC-BFC5-9CADE7226688}"/>
+                <a16:creationId xmlns="" xmlns:a16="http://schemas.microsoft.com/office/drawing/2014/main" id="{E8E16270-CBD7-4ACC-BFC5-9CADE7226688}"/>
               </a:ext>
             </a:extLst>
           </p:cNvPr>
@@ -404,7 +405,7 @@
           <p:cNvPr id="7" name="Group 6">
             <a:extLst>
               <a:ext uri="{FF2B5EF4-FFF2-40B4-BE49-F238E27FC236}">
-                <a16:creationId xmlns:a16="http://schemas.microsoft.com/office/drawing/2014/main" id="{79B5D0C1-066E-4C02-A6B8-59FAE4A19724}"/>
+                <a16:creationId xmlns="" xmlns:a16="http://schemas.microsoft.com/office/drawing/2014/main" id="{79B5D0C1-066E-4C02-A6B8-59FAE4A19724}"/>
               </a:ext>
             </a:extLst>
           </p:cNvPr>
@@ -424,7 +425,7 @@
             <p:cNvPr id="8" name="Rectangle 7">
               <a:extLst>
                 <a:ext uri="{FF2B5EF4-FFF2-40B4-BE49-F238E27FC236}">
-                  <a16:creationId xmlns:a16="http://schemas.microsoft.com/office/drawing/2014/main" id="{D4386904-AFDC-449E-8D1B-906B305EBDA7}"/>
+                  <a16:creationId xmlns="" xmlns:a16="http://schemas.microsoft.com/office/drawing/2014/main" id="{D4386904-AFDC-449E-8D1B-906B305EBDA7}"/>
                 </a:ext>
               </a:extLst>
             </p:cNvPr>
@@ -487,7 +488,7 @@
             <p:cNvPr id="9" name="Straight Connector 8">
               <a:extLst>
                 <a:ext uri="{FF2B5EF4-FFF2-40B4-BE49-F238E27FC236}">
-                  <a16:creationId xmlns:a16="http://schemas.microsoft.com/office/drawing/2014/main" id="{F70778F2-11E8-428C-8324-479CA9D6FE92}"/>
+                  <a16:creationId xmlns="" xmlns:a16="http://schemas.microsoft.com/office/drawing/2014/main" id="{F70778F2-11E8-428C-8324-479CA9D6FE92}"/>
                 </a:ext>
               </a:extLst>
             </p:cNvPr>
@@ -528,7 +529,7 @@
             <p:cNvPr id="10" name="Straight Connector 9">
               <a:extLst>
                 <a:ext uri="{FF2B5EF4-FFF2-40B4-BE49-F238E27FC236}">
-                  <a16:creationId xmlns:a16="http://schemas.microsoft.com/office/drawing/2014/main" id="{4A0BE89E-CB2D-48BA-A8D2-533FAAAA725F}"/>
+                  <a16:creationId xmlns="" xmlns:a16="http://schemas.microsoft.com/office/drawing/2014/main" id="{4A0BE89E-CB2D-48BA-A8D2-533FAAAA725F}"/>
                 </a:ext>
               </a:extLst>
             </p:cNvPr>
@@ -600,7 +601,7 @@
           <p:cNvPr id="2" name="Title 1">
             <a:extLst>
               <a:ext uri="{FF2B5EF4-FFF2-40B4-BE49-F238E27FC236}">
-                <a16:creationId xmlns:a16="http://schemas.microsoft.com/office/drawing/2014/main" id="{05DB1126-542A-43AD-8078-EE3565165448}"/>
+                <a16:creationId xmlns="" xmlns:a16="http://schemas.microsoft.com/office/drawing/2014/main" id="{05DB1126-542A-43AD-8078-EE3565165448}"/>
               </a:ext>
             </a:extLst>
           </p:cNvPr>
@@ -628,7 +629,7 @@
           <p:cNvPr id="3" name="Vertical Text Placeholder 2">
             <a:extLst>
               <a:ext uri="{FF2B5EF4-FFF2-40B4-BE49-F238E27FC236}">
-                <a16:creationId xmlns:a16="http://schemas.microsoft.com/office/drawing/2014/main" id="{A4A5F98B-5F32-4561-BFBC-9F6E5DA0A347}"/>
+                <a16:creationId xmlns="" xmlns:a16="http://schemas.microsoft.com/office/drawing/2014/main" id="{A4A5F98B-5F32-4561-BFBC-9F6E5DA0A347}"/>
               </a:ext>
             </a:extLst>
           </p:cNvPr>
@@ -690,7 +691,7 @@
           <p:cNvPr id="4" name="Date Placeholder 3">
             <a:extLst>
               <a:ext uri="{FF2B5EF4-FFF2-40B4-BE49-F238E27FC236}">
-                <a16:creationId xmlns:a16="http://schemas.microsoft.com/office/drawing/2014/main" id="{F773D0DD-B04E-4E48-8EE1-51E46131A9A2}"/>
+                <a16:creationId xmlns="" xmlns:a16="http://schemas.microsoft.com/office/drawing/2014/main" id="{F773D0DD-B04E-4E48-8EE1-51E46131A9A2}"/>
               </a:ext>
             </a:extLst>
           </p:cNvPr>
@@ -708,7 +709,7 @@
           <a:p>
             <a:fld id="{C485584D-7D79-4248-9986-4CA35242F944}" type="datetimeFigureOut">
               <a:rPr lang="en-US" smtClean="0"/>
-              <a:t>1/3/24</a:t>
+              <a:t>1/4/2024</a:t>
             </a:fld>
             <a:endParaRPr lang="en-US"/>
           </a:p>
@@ -719,7 +720,7 @@
           <p:cNvPr id="5" name="Footer Placeholder 4">
             <a:extLst>
               <a:ext uri="{FF2B5EF4-FFF2-40B4-BE49-F238E27FC236}">
-                <a16:creationId xmlns:a16="http://schemas.microsoft.com/office/drawing/2014/main" id="{0481352D-F9C0-4442-9601-A09A7655E685}"/>
+                <a16:creationId xmlns="" xmlns:a16="http://schemas.microsoft.com/office/drawing/2014/main" id="{0481352D-F9C0-4442-9601-A09A7655E685}"/>
               </a:ext>
             </a:extLst>
           </p:cNvPr>
@@ -744,7 +745,7 @@
           <p:cNvPr id="6" name="Slide Number Placeholder 5">
             <a:extLst>
               <a:ext uri="{FF2B5EF4-FFF2-40B4-BE49-F238E27FC236}">
-                <a16:creationId xmlns:a16="http://schemas.microsoft.com/office/drawing/2014/main" id="{69FC0801-9C45-40AE-AB33-5742CDA4DAC7}"/>
+                <a16:creationId xmlns="" xmlns:a16="http://schemas.microsoft.com/office/drawing/2014/main" id="{69FC0801-9C45-40AE-AB33-5742CDA4DAC7}"/>
               </a:ext>
             </a:extLst>
           </p:cNvPr>
@@ -803,7 +804,7 @@
           <p:cNvPr id="2" name="Vertical Title 1">
             <a:extLst>
               <a:ext uri="{FF2B5EF4-FFF2-40B4-BE49-F238E27FC236}">
-                <a16:creationId xmlns:a16="http://schemas.microsoft.com/office/drawing/2014/main" id="{4E946561-59BF-4566-AD2C-9B05C4771DF4}"/>
+                <a16:creationId xmlns="" xmlns:a16="http://schemas.microsoft.com/office/drawing/2014/main" id="{4E946561-59BF-4566-AD2C-9B05C4771DF4}"/>
               </a:ext>
             </a:extLst>
           </p:cNvPr>
@@ -837,7 +838,7 @@
           <p:cNvPr id="3" name="Vertical Text Placeholder 2">
             <a:extLst>
               <a:ext uri="{FF2B5EF4-FFF2-40B4-BE49-F238E27FC236}">
-                <a16:creationId xmlns:a16="http://schemas.microsoft.com/office/drawing/2014/main" id="{A1DF7870-6CBD-47E2-854C-68141BAA101D}"/>
+                <a16:creationId xmlns="" xmlns:a16="http://schemas.microsoft.com/office/drawing/2014/main" id="{A1DF7870-6CBD-47E2-854C-68141BAA101D}"/>
               </a:ext>
             </a:extLst>
           </p:cNvPr>
@@ -900,7 +901,7 @@
           <p:cNvPr id="4" name="Date Placeholder 3">
             <a:extLst>
               <a:ext uri="{FF2B5EF4-FFF2-40B4-BE49-F238E27FC236}">
-                <a16:creationId xmlns:a16="http://schemas.microsoft.com/office/drawing/2014/main" id="{8712FAF3-C106-49CB-A845-1FC7F731399D}"/>
+                <a16:creationId xmlns="" xmlns:a16="http://schemas.microsoft.com/office/drawing/2014/main" id="{8712FAF3-C106-49CB-A845-1FC7F731399D}"/>
               </a:ext>
             </a:extLst>
           </p:cNvPr>
@@ -918,7 +919,7 @@
           <a:p>
             <a:fld id="{C485584D-7D79-4248-9986-4CA35242F944}" type="datetimeFigureOut">
               <a:rPr lang="en-US" smtClean="0"/>
-              <a:t>1/3/24</a:t>
+              <a:t>1/4/2024</a:t>
             </a:fld>
             <a:endParaRPr lang="en-US"/>
           </a:p>
@@ -929,7 +930,7 @@
           <p:cNvPr id="5" name="Footer Placeholder 4">
             <a:extLst>
               <a:ext uri="{FF2B5EF4-FFF2-40B4-BE49-F238E27FC236}">
-                <a16:creationId xmlns:a16="http://schemas.microsoft.com/office/drawing/2014/main" id="{E34D5CCC-00E8-48FA-91A6-921E7B6440EB}"/>
+                <a16:creationId xmlns="" xmlns:a16="http://schemas.microsoft.com/office/drawing/2014/main" id="{E34D5CCC-00E8-48FA-91A6-921E7B6440EB}"/>
               </a:ext>
             </a:extLst>
           </p:cNvPr>
@@ -954,7 +955,7 @@
           <p:cNvPr id="6" name="Slide Number Placeholder 5">
             <a:extLst>
               <a:ext uri="{FF2B5EF4-FFF2-40B4-BE49-F238E27FC236}">
-                <a16:creationId xmlns:a16="http://schemas.microsoft.com/office/drawing/2014/main" id="{CB7E1751-E7AA-406D-A977-1ACEF1FBD134}"/>
+                <a16:creationId xmlns="" xmlns:a16="http://schemas.microsoft.com/office/drawing/2014/main" id="{CB7E1751-E7AA-406D-A977-1ACEF1FBD134}"/>
               </a:ext>
             </a:extLst>
           </p:cNvPr>
@@ -1013,7 +1014,7 @@
           <p:cNvPr id="2" name="Title 1">
             <a:extLst>
               <a:ext uri="{FF2B5EF4-FFF2-40B4-BE49-F238E27FC236}">
-                <a16:creationId xmlns:a16="http://schemas.microsoft.com/office/drawing/2014/main" id="{E8D2DC87-4B97-4A7C-BC4C-6E7724561615}"/>
+                <a16:creationId xmlns="" xmlns:a16="http://schemas.microsoft.com/office/drawing/2014/main" id="{E8D2DC87-4B97-4A7C-BC4C-6E7724561615}"/>
               </a:ext>
             </a:extLst>
           </p:cNvPr>
@@ -1042,7 +1043,7 @@
           <p:cNvPr id="3" name="Content Placeholder 2">
             <a:extLst>
               <a:ext uri="{FF2B5EF4-FFF2-40B4-BE49-F238E27FC236}">
-                <a16:creationId xmlns:a16="http://schemas.microsoft.com/office/drawing/2014/main" id="{F4B59FD9-57FD-4ABA-9FCD-7954052534CF}"/>
+                <a16:creationId xmlns="" xmlns:a16="http://schemas.microsoft.com/office/drawing/2014/main" id="{F4B59FD9-57FD-4ABA-9FCD-7954052534CF}"/>
               </a:ext>
             </a:extLst>
           </p:cNvPr>
@@ -1099,7 +1100,7 @@
           <p:cNvPr id="4" name="Date Placeholder 3">
             <a:extLst>
               <a:ext uri="{FF2B5EF4-FFF2-40B4-BE49-F238E27FC236}">
-                <a16:creationId xmlns:a16="http://schemas.microsoft.com/office/drawing/2014/main" id="{E87BD40E-B0AA-47B8-900F-488A8AEC1BC2}"/>
+                <a16:creationId xmlns="" xmlns:a16="http://schemas.microsoft.com/office/drawing/2014/main" id="{E87BD40E-B0AA-47B8-900F-488A8AEC1BC2}"/>
               </a:ext>
             </a:extLst>
           </p:cNvPr>
@@ -1117,7 +1118,7 @@
           <a:p>
             <a:fld id="{C485584D-7D79-4248-9986-4CA35242F944}" type="datetimeFigureOut">
               <a:rPr lang="en-US" smtClean="0"/>
-              <a:t>1/3/24</a:t>
+              <a:t>1/4/2024</a:t>
             </a:fld>
             <a:endParaRPr lang="en-US"/>
           </a:p>
@@ -1128,7 +1129,7 @@
           <p:cNvPr id="5" name="Footer Placeholder 4">
             <a:extLst>
               <a:ext uri="{FF2B5EF4-FFF2-40B4-BE49-F238E27FC236}">
-                <a16:creationId xmlns:a16="http://schemas.microsoft.com/office/drawing/2014/main" id="{865E623C-1E35-4485-A5B4-A71969BE706F}"/>
+                <a16:creationId xmlns="" xmlns:a16="http://schemas.microsoft.com/office/drawing/2014/main" id="{865E623C-1E35-4485-A5B4-A71969BE706F}"/>
               </a:ext>
             </a:extLst>
           </p:cNvPr>
@@ -1153,7 +1154,7 @@
           <p:cNvPr id="6" name="Slide Number Placeholder 5">
             <a:extLst>
               <a:ext uri="{FF2B5EF4-FFF2-40B4-BE49-F238E27FC236}">
-                <a16:creationId xmlns:a16="http://schemas.microsoft.com/office/drawing/2014/main" id="{4B5C6BB9-EF4F-465E-985B-34521F68C583}"/>
+                <a16:creationId xmlns="" xmlns:a16="http://schemas.microsoft.com/office/drawing/2014/main" id="{4B5C6BB9-EF4F-465E-985B-34521F68C583}"/>
               </a:ext>
             </a:extLst>
           </p:cNvPr>
@@ -1212,7 +1213,7 @@
           <p:cNvPr id="4" name="Date Placeholder 3">
             <a:extLst>
               <a:ext uri="{FF2B5EF4-FFF2-40B4-BE49-F238E27FC236}">
-                <a16:creationId xmlns:a16="http://schemas.microsoft.com/office/drawing/2014/main" id="{587F5577-D71B-4279-B07A-62F703E5D1DC}"/>
+                <a16:creationId xmlns="" xmlns:a16="http://schemas.microsoft.com/office/drawing/2014/main" id="{587F5577-D71B-4279-B07A-62F703E5D1DC}"/>
               </a:ext>
             </a:extLst>
           </p:cNvPr>
@@ -1230,7 +1231,7 @@
           <a:p>
             <a:fld id="{C485584D-7D79-4248-9986-4CA35242F944}" type="datetimeFigureOut">
               <a:rPr lang="en-US" smtClean="0"/>
-              <a:t>1/3/24</a:t>
+              <a:t>1/4/2024</a:t>
             </a:fld>
             <a:endParaRPr lang="en-US"/>
           </a:p>
@@ -1241,7 +1242,7 @@
           <p:cNvPr id="5" name="Footer Placeholder 4">
             <a:extLst>
               <a:ext uri="{FF2B5EF4-FFF2-40B4-BE49-F238E27FC236}">
-                <a16:creationId xmlns:a16="http://schemas.microsoft.com/office/drawing/2014/main" id="{F648367D-C35C-4023-BEBE-F834D033B0CC}"/>
+                <a16:creationId xmlns="" xmlns:a16="http://schemas.microsoft.com/office/drawing/2014/main" id="{F648367D-C35C-4023-BEBE-F834D033B0CC}"/>
               </a:ext>
             </a:extLst>
           </p:cNvPr>
@@ -1266,7 +1267,7 @@
           <p:cNvPr id="6" name="Slide Number Placeholder 5">
             <a:extLst>
               <a:ext uri="{FF2B5EF4-FFF2-40B4-BE49-F238E27FC236}">
-                <a16:creationId xmlns:a16="http://schemas.microsoft.com/office/drawing/2014/main" id="{22BFCF8A-B8C6-496A-98A5-BBB52DB70F16}"/>
+                <a16:creationId xmlns="" xmlns:a16="http://schemas.microsoft.com/office/drawing/2014/main" id="{22BFCF8A-B8C6-496A-98A5-BBB52DB70F16}"/>
               </a:ext>
             </a:extLst>
           </p:cNvPr>
@@ -1295,10 +1296,10 @@
           <p:cNvPr id="11" name="Rectangle 5">
             <a:extLst>
               <a:ext uri="{FF2B5EF4-FFF2-40B4-BE49-F238E27FC236}">
-                <a16:creationId xmlns:a16="http://schemas.microsoft.com/office/drawing/2014/main" id="{CDE45C10-227D-42DF-A888-EEFD3784FA8E}"/>
+                <a16:creationId xmlns="" xmlns:a16="http://schemas.microsoft.com/office/drawing/2014/main" id="{CDE45C10-227D-42DF-A888-EEFD3784FA8E}"/>
               </a:ext>
               <a:ext uri="{C183D7F6-B498-43B3-948B-1728B52AA6E4}">
-                <adec:decorative xmlns:adec="http://schemas.microsoft.com/office/drawing/2017/decorative" val="1"/>
+                <adec:decorative xmlns="" xmlns:adec="http://schemas.microsoft.com/office/drawing/2017/decorative" val="1"/>
               </a:ext>
             </a:extLst>
           </p:cNvPr>
@@ -1433,10 +1434,10 @@
           <p:cNvPr id="7" name="Group 6">
             <a:extLst>
               <a:ext uri="{FF2B5EF4-FFF2-40B4-BE49-F238E27FC236}">
-                <a16:creationId xmlns:a16="http://schemas.microsoft.com/office/drawing/2014/main" id="{DA214944-8898-48BC-AE6F-065DA7BBB8E8}"/>
+                <a16:creationId xmlns="" xmlns:a16="http://schemas.microsoft.com/office/drawing/2014/main" id="{DA214944-8898-48BC-AE6F-065DA7BBB8E8}"/>
               </a:ext>
               <a:ext uri="{C183D7F6-B498-43B3-948B-1728B52AA6E4}">
-                <adec:decorative xmlns:adec="http://schemas.microsoft.com/office/drawing/2017/decorative" val="1"/>
+                <adec:decorative xmlns="" xmlns:adec="http://schemas.microsoft.com/office/drawing/2017/decorative" val="1"/>
               </a:ext>
             </a:extLst>
           </p:cNvPr>
@@ -1456,7 +1457,7 @@
             <p:cNvPr id="8" name="Rectangle 7">
               <a:extLst>
                 <a:ext uri="{FF2B5EF4-FFF2-40B4-BE49-F238E27FC236}">
-                  <a16:creationId xmlns:a16="http://schemas.microsoft.com/office/drawing/2014/main" id="{B94B3AAB-30C4-441D-B481-D253F8325953}"/>
+                  <a16:creationId xmlns="" xmlns:a16="http://schemas.microsoft.com/office/drawing/2014/main" id="{B94B3AAB-30C4-441D-B481-D253F8325953}"/>
                 </a:ext>
               </a:extLst>
             </p:cNvPr>
@@ -1519,7 +1520,7 @@
             <p:cNvPr id="9" name="Straight Connector 8">
               <a:extLst>
                 <a:ext uri="{FF2B5EF4-FFF2-40B4-BE49-F238E27FC236}">
-                  <a16:creationId xmlns:a16="http://schemas.microsoft.com/office/drawing/2014/main" id="{FDCB6176-5585-40BC-BC9C-CA625F989F1B}"/>
+                  <a16:creationId xmlns="" xmlns:a16="http://schemas.microsoft.com/office/drawing/2014/main" id="{FDCB6176-5585-40BC-BC9C-CA625F989F1B}"/>
                 </a:ext>
               </a:extLst>
             </p:cNvPr>
@@ -1560,7 +1561,7 @@
             <p:cNvPr id="10" name="Straight Connector 9">
               <a:extLst>
                 <a:ext uri="{FF2B5EF4-FFF2-40B4-BE49-F238E27FC236}">
-                  <a16:creationId xmlns:a16="http://schemas.microsoft.com/office/drawing/2014/main" id="{77C4F1D9-97D8-43DD-A319-C56367F97FCE}"/>
+                  <a16:creationId xmlns="" xmlns:a16="http://schemas.microsoft.com/office/drawing/2014/main" id="{77C4F1D9-97D8-43DD-A319-C56367F97FCE}"/>
                 </a:ext>
               </a:extLst>
             </p:cNvPr>
@@ -1602,7 +1603,7 @@
           <p:cNvPr id="2" name="Title 1">
             <a:extLst>
               <a:ext uri="{FF2B5EF4-FFF2-40B4-BE49-F238E27FC236}">
-                <a16:creationId xmlns:a16="http://schemas.microsoft.com/office/drawing/2014/main" id="{D25E64ED-B373-4866-B5A2-E805D3168BBB}"/>
+                <a16:creationId xmlns="" xmlns:a16="http://schemas.microsoft.com/office/drawing/2014/main" id="{D25E64ED-B373-4866-B5A2-E805D3168BBB}"/>
               </a:ext>
             </a:extLst>
           </p:cNvPr>
@@ -1641,7 +1642,7 @@
           <p:cNvPr id="3" name="Text Placeholder 2">
             <a:extLst>
               <a:ext uri="{FF2B5EF4-FFF2-40B4-BE49-F238E27FC236}">
-                <a16:creationId xmlns:a16="http://schemas.microsoft.com/office/drawing/2014/main" id="{AB6D6168-DDAE-41B2-A0D5-42185A2D028C}"/>
+                <a16:creationId xmlns="" xmlns:a16="http://schemas.microsoft.com/office/drawing/2014/main" id="{AB6D6168-DDAE-41B2-A0D5-42185A2D028C}"/>
               </a:ext>
             </a:extLst>
           </p:cNvPr>
@@ -1796,7 +1797,7 @@
           <p:cNvPr id="2" name="Title 1">
             <a:extLst>
               <a:ext uri="{FF2B5EF4-FFF2-40B4-BE49-F238E27FC236}">
-                <a16:creationId xmlns:a16="http://schemas.microsoft.com/office/drawing/2014/main" id="{725825EB-71EE-41B3-89D2-47A0C7C3598E}"/>
+                <a16:creationId xmlns="" xmlns:a16="http://schemas.microsoft.com/office/drawing/2014/main" id="{725825EB-71EE-41B3-89D2-47A0C7C3598E}"/>
               </a:ext>
             </a:extLst>
           </p:cNvPr>
@@ -1824,7 +1825,7 @@
           <p:cNvPr id="3" name="Content Placeholder 2">
             <a:extLst>
               <a:ext uri="{FF2B5EF4-FFF2-40B4-BE49-F238E27FC236}">
-                <a16:creationId xmlns:a16="http://schemas.microsoft.com/office/drawing/2014/main" id="{DE662F7D-C4AD-4BD4-AAC8-F0223EE4A38B}"/>
+                <a16:creationId xmlns="" xmlns:a16="http://schemas.microsoft.com/office/drawing/2014/main" id="{DE662F7D-C4AD-4BD4-AAC8-F0223EE4A38B}"/>
               </a:ext>
             </a:extLst>
           </p:cNvPr>
@@ -1886,7 +1887,7 @@
           <p:cNvPr id="4" name="Content Placeholder 3">
             <a:extLst>
               <a:ext uri="{FF2B5EF4-FFF2-40B4-BE49-F238E27FC236}">
-                <a16:creationId xmlns:a16="http://schemas.microsoft.com/office/drawing/2014/main" id="{9D0FB088-28C6-4667-8DF2-0DE32AE3EC30}"/>
+                <a16:creationId xmlns="" xmlns:a16="http://schemas.microsoft.com/office/drawing/2014/main" id="{9D0FB088-28C6-4667-8DF2-0DE32AE3EC30}"/>
               </a:ext>
             </a:extLst>
           </p:cNvPr>
@@ -1948,7 +1949,7 @@
           <p:cNvPr id="5" name="Date Placeholder 4">
             <a:extLst>
               <a:ext uri="{FF2B5EF4-FFF2-40B4-BE49-F238E27FC236}">
-                <a16:creationId xmlns:a16="http://schemas.microsoft.com/office/drawing/2014/main" id="{BF36095F-AE34-4E94-B722-E3A1205AEEDC}"/>
+                <a16:creationId xmlns="" xmlns:a16="http://schemas.microsoft.com/office/drawing/2014/main" id="{BF36095F-AE34-4E94-B722-E3A1205AEEDC}"/>
               </a:ext>
             </a:extLst>
           </p:cNvPr>
@@ -1966,7 +1967,7 @@
           <a:p>
             <a:fld id="{C485584D-7D79-4248-9986-4CA35242F944}" type="datetimeFigureOut">
               <a:rPr lang="en-US" smtClean="0"/>
-              <a:t>1/3/24</a:t>
+              <a:t>1/4/2024</a:t>
             </a:fld>
             <a:endParaRPr lang="en-US"/>
           </a:p>
@@ -1977,7 +1978,7 @@
           <p:cNvPr id="6" name="Footer Placeholder 5">
             <a:extLst>
               <a:ext uri="{FF2B5EF4-FFF2-40B4-BE49-F238E27FC236}">
-                <a16:creationId xmlns:a16="http://schemas.microsoft.com/office/drawing/2014/main" id="{6E06A8E6-BD94-48EA-8F35-DA0DF910AC25}"/>
+                <a16:creationId xmlns="" xmlns:a16="http://schemas.microsoft.com/office/drawing/2014/main" id="{6E06A8E6-BD94-48EA-8F35-DA0DF910AC25}"/>
               </a:ext>
             </a:extLst>
           </p:cNvPr>
@@ -2002,7 +2003,7 @@
           <p:cNvPr id="7" name="Slide Number Placeholder 6">
             <a:extLst>
               <a:ext uri="{FF2B5EF4-FFF2-40B4-BE49-F238E27FC236}">
-                <a16:creationId xmlns:a16="http://schemas.microsoft.com/office/drawing/2014/main" id="{50478AEF-56B8-49F5-81E8-663B1FFA073B}"/>
+                <a16:creationId xmlns="" xmlns:a16="http://schemas.microsoft.com/office/drawing/2014/main" id="{50478AEF-56B8-49F5-81E8-663B1FFA073B}"/>
               </a:ext>
             </a:extLst>
           </p:cNvPr>
@@ -2061,7 +2062,7 @@
           <p:cNvPr id="2" name="Title 1">
             <a:extLst>
               <a:ext uri="{FF2B5EF4-FFF2-40B4-BE49-F238E27FC236}">
-                <a16:creationId xmlns:a16="http://schemas.microsoft.com/office/drawing/2014/main" id="{EFCF873F-001F-4254-97F3-05329E6A7B67}"/>
+                <a16:creationId xmlns="" xmlns:a16="http://schemas.microsoft.com/office/drawing/2014/main" id="{EFCF873F-001F-4254-97F3-05329E6A7B67}"/>
               </a:ext>
             </a:extLst>
           </p:cNvPr>
@@ -2094,7 +2095,7 @@
           <p:cNvPr id="3" name="Text Placeholder 2">
             <a:extLst>
               <a:ext uri="{FF2B5EF4-FFF2-40B4-BE49-F238E27FC236}">
-                <a16:creationId xmlns:a16="http://schemas.microsoft.com/office/drawing/2014/main" id="{4A37B575-060F-4296-A28A-93DA109F96F5}"/>
+                <a16:creationId xmlns="" xmlns:a16="http://schemas.microsoft.com/office/drawing/2014/main" id="{4A37B575-060F-4296-A28A-93DA109F96F5}"/>
               </a:ext>
             </a:extLst>
           </p:cNvPr>
@@ -2167,7 +2168,7 @@
           <p:cNvPr id="4" name="Content Placeholder 3">
             <a:extLst>
               <a:ext uri="{FF2B5EF4-FFF2-40B4-BE49-F238E27FC236}">
-                <a16:creationId xmlns:a16="http://schemas.microsoft.com/office/drawing/2014/main" id="{BA581A51-F4D1-4A02-9918-C416F820B646}"/>
+                <a16:creationId xmlns="" xmlns:a16="http://schemas.microsoft.com/office/drawing/2014/main" id="{BA581A51-F4D1-4A02-9918-C416F820B646}"/>
               </a:ext>
             </a:extLst>
           </p:cNvPr>
@@ -2229,7 +2230,7 @@
           <p:cNvPr id="5" name="Text Placeholder 4">
             <a:extLst>
               <a:ext uri="{FF2B5EF4-FFF2-40B4-BE49-F238E27FC236}">
-                <a16:creationId xmlns:a16="http://schemas.microsoft.com/office/drawing/2014/main" id="{D32916D0-3DFE-455D-9888-3FDEFD3DE0CD}"/>
+                <a16:creationId xmlns="" xmlns:a16="http://schemas.microsoft.com/office/drawing/2014/main" id="{D32916D0-3DFE-455D-9888-3FDEFD3DE0CD}"/>
               </a:ext>
             </a:extLst>
           </p:cNvPr>
@@ -2302,7 +2303,7 @@
           <p:cNvPr id="6" name="Content Placeholder 5">
             <a:extLst>
               <a:ext uri="{FF2B5EF4-FFF2-40B4-BE49-F238E27FC236}">
-                <a16:creationId xmlns:a16="http://schemas.microsoft.com/office/drawing/2014/main" id="{F093D763-0643-4A48-8007-93391C59F6D5}"/>
+                <a16:creationId xmlns="" xmlns:a16="http://schemas.microsoft.com/office/drawing/2014/main" id="{F093D763-0643-4A48-8007-93391C59F6D5}"/>
               </a:ext>
             </a:extLst>
           </p:cNvPr>
@@ -2364,7 +2365,7 @@
           <p:cNvPr id="7" name="Date Placeholder 6">
             <a:extLst>
               <a:ext uri="{FF2B5EF4-FFF2-40B4-BE49-F238E27FC236}">
-                <a16:creationId xmlns:a16="http://schemas.microsoft.com/office/drawing/2014/main" id="{69A2D07B-3A5D-41C2-83B8-BD1AD6522CAD}"/>
+                <a16:creationId xmlns="" xmlns:a16="http://schemas.microsoft.com/office/drawing/2014/main" id="{69A2D07B-3A5D-41C2-83B8-BD1AD6522CAD}"/>
               </a:ext>
             </a:extLst>
           </p:cNvPr>
@@ -2382,7 +2383,7 @@
           <a:p>
             <a:fld id="{C485584D-7D79-4248-9986-4CA35242F944}" type="datetimeFigureOut">
               <a:rPr lang="en-US" smtClean="0"/>
-              <a:t>1/3/24</a:t>
+              <a:t>1/4/2024</a:t>
             </a:fld>
             <a:endParaRPr lang="en-US"/>
           </a:p>
@@ -2393,7 +2394,7 @@
           <p:cNvPr id="8" name="Footer Placeholder 7">
             <a:extLst>
               <a:ext uri="{FF2B5EF4-FFF2-40B4-BE49-F238E27FC236}">
-                <a16:creationId xmlns:a16="http://schemas.microsoft.com/office/drawing/2014/main" id="{0E2C1367-FE5A-4CDD-B85B-724FFFE5B58F}"/>
+                <a16:creationId xmlns="" xmlns:a16="http://schemas.microsoft.com/office/drawing/2014/main" id="{0E2C1367-FE5A-4CDD-B85B-724FFFE5B58F}"/>
               </a:ext>
             </a:extLst>
           </p:cNvPr>
@@ -2418,7 +2419,7 @@
           <p:cNvPr id="9" name="Slide Number Placeholder 8">
             <a:extLst>
               <a:ext uri="{FF2B5EF4-FFF2-40B4-BE49-F238E27FC236}">
-                <a16:creationId xmlns:a16="http://schemas.microsoft.com/office/drawing/2014/main" id="{9992F244-23EB-4E1A-B74F-77F23F87978D}"/>
+                <a16:creationId xmlns="" xmlns:a16="http://schemas.microsoft.com/office/drawing/2014/main" id="{9992F244-23EB-4E1A-B74F-77F23F87978D}"/>
               </a:ext>
             </a:extLst>
           </p:cNvPr>
@@ -2477,7 +2478,7 @@
           <p:cNvPr id="2" name="Title 1">
             <a:extLst>
               <a:ext uri="{FF2B5EF4-FFF2-40B4-BE49-F238E27FC236}">
-                <a16:creationId xmlns:a16="http://schemas.microsoft.com/office/drawing/2014/main" id="{FB876C0A-BEF4-4DE4-A9D2-C60298FC7F99}"/>
+                <a16:creationId xmlns="" xmlns:a16="http://schemas.microsoft.com/office/drawing/2014/main" id="{FB876C0A-BEF4-4DE4-A9D2-C60298FC7F99}"/>
               </a:ext>
             </a:extLst>
           </p:cNvPr>
@@ -2505,7 +2506,7 @@
           <p:cNvPr id="3" name="Date Placeholder 2">
             <a:extLst>
               <a:ext uri="{FF2B5EF4-FFF2-40B4-BE49-F238E27FC236}">
-                <a16:creationId xmlns:a16="http://schemas.microsoft.com/office/drawing/2014/main" id="{1367C0AC-3C98-4D68-AE72-CFFA1638CC02}"/>
+                <a16:creationId xmlns="" xmlns:a16="http://schemas.microsoft.com/office/drawing/2014/main" id="{1367C0AC-3C98-4D68-AE72-CFFA1638CC02}"/>
               </a:ext>
             </a:extLst>
           </p:cNvPr>
@@ -2523,7 +2524,7 @@
           <a:p>
             <a:fld id="{C485584D-7D79-4248-9986-4CA35242F944}" type="datetimeFigureOut">
               <a:rPr lang="en-US" smtClean="0"/>
-              <a:t>1/3/24</a:t>
+              <a:t>1/4/2024</a:t>
             </a:fld>
             <a:endParaRPr lang="en-US"/>
           </a:p>
@@ -2534,7 +2535,7 @@
           <p:cNvPr id="4" name="Footer Placeholder 3">
             <a:extLst>
               <a:ext uri="{FF2B5EF4-FFF2-40B4-BE49-F238E27FC236}">
-                <a16:creationId xmlns:a16="http://schemas.microsoft.com/office/drawing/2014/main" id="{FEA7722A-E2E4-45D2-8A20-4853ED6837B1}"/>
+                <a16:creationId xmlns="" xmlns:a16="http://schemas.microsoft.com/office/drawing/2014/main" id="{FEA7722A-E2E4-45D2-8A20-4853ED6837B1}"/>
               </a:ext>
             </a:extLst>
           </p:cNvPr>
@@ -2559,7 +2560,7 @@
           <p:cNvPr id="5" name="Slide Number Placeholder 4">
             <a:extLst>
               <a:ext uri="{FF2B5EF4-FFF2-40B4-BE49-F238E27FC236}">
-                <a16:creationId xmlns:a16="http://schemas.microsoft.com/office/drawing/2014/main" id="{146B9201-B20B-4412-B745-F2F6A91487E8}"/>
+                <a16:creationId xmlns="" xmlns:a16="http://schemas.microsoft.com/office/drawing/2014/main" id="{146B9201-B20B-4412-B745-F2F6A91487E8}"/>
               </a:ext>
             </a:extLst>
           </p:cNvPr>
@@ -2618,7 +2619,7 @@
           <p:cNvPr id="2" name="Date Placeholder 1">
             <a:extLst>
               <a:ext uri="{FF2B5EF4-FFF2-40B4-BE49-F238E27FC236}">
-                <a16:creationId xmlns:a16="http://schemas.microsoft.com/office/drawing/2014/main" id="{CBC4889A-9ABE-4409-BAD8-F84C36C1FA09}"/>
+                <a16:creationId xmlns="" xmlns:a16="http://schemas.microsoft.com/office/drawing/2014/main" id="{CBC4889A-9ABE-4409-BAD8-F84C36C1FA09}"/>
               </a:ext>
             </a:extLst>
           </p:cNvPr>
@@ -2636,7 +2637,7 @@
           <a:p>
             <a:fld id="{C485584D-7D79-4248-9986-4CA35242F944}" type="datetimeFigureOut">
               <a:rPr lang="en-US" smtClean="0"/>
-              <a:t>1/3/24</a:t>
+              <a:t>1/4/2024</a:t>
             </a:fld>
             <a:endParaRPr lang="en-US"/>
           </a:p>
@@ -2647,7 +2648,7 @@
           <p:cNvPr id="3" name="Footer Placeholder 2">
             <a:extLst>
               <a:ext uri="{FF2B5EF4-FFF2-40B4-BE49-F238E27FC236}">
-                <a16:creationId xmlns:a16="http://schemas.microsoft.com/office/drawing/2014/main" id="{7DDA5A70-FE21-4CB6-A67B-1DC798E9E3B1}"/>
+                <a16:creationId xmlns="" xmlns:a16="http://schemas.microsoft.com/office/drawing/2014/main" id="{7DDA5A70-FE21-4CB6-A67B-1DC798E9E3B1}"/>
               </a:ext>
             </a:extLst>
           </p:cNvPr>
@@ -2672,7 +2673,7 @@
           <p:cNvPr id="4" name="Slide Number Placeholder 3">
             <a:extLst>
               <a:ext uri="{FF2B5EF4-FFF2-40B4-BE49-F238E27FC236}">
-                <a16:creationId xmlns:a16="http://schemas.microsoft.com/office/drawing/2014/main" id="{B984AD11-7FD2-432C-A6AB-395BE9275C1B}"/>
+                <a16:creationId xmlns="" xmlns:a16="http://schemas.microsoft.com/office/drawing/2014/main" id="{B984AD11-7FD2-432C-A6AB-395BE9275C1B}"/>
               </a:ext>
             </a:extLst>
           </p:cNvPr>
@@ -2731,7 +2732,7 @@
           <p:cNvPr id="2" name="Title 1">
             <a:extLst>
               <a:ext uri="{FF2B5EF4-FFF2-40B4-BE49-F238E27FC236}">
-                <a16:creationId xmlns:a16="http://schemas.microsoft.com/office/drawing/2014/main" id="{EFF397CF-9CDD-4E78-8F35-A2FFE7867419}"/>
+                <a16:creationId xmlns="" xmlns:a16="http://schemas.microsoft.com/office/drawing/2014/main" id="{EFF397CF-9CDD-4E78-8F35-A2FFE7867419}"/>
               </a:ext>
             </a:extLst>
           </p:cNvPr>
@@ -2769,7 +2770,7 @@
           <p:cNvPr id="3" name="Content Placeholder 2">
             <a:extLst>
               <a:ext uri="{FF2B5EF4-FFF2-40B4-BE49-F238E27FC236}">
-                <a16:creationId xmlns:a16="http://schemas.microsoft.com/office/drawing/2014/main" id="{87194BFE-7A85-4123-B0F7-4DB1C141CE60}"/>
+                <a16:creationId xmlns="" xmlns:a16="http://schemas.microsoft.com/office/drawing/2014/main" id="{87194BFE-7A85-4123-B0F7-4DB1C141CE60}"/>
               </a:ext>
             </a:extLst>
           </p:cNvPr>
@@ -2860,7 +2861,7 @@
           <p:cNvPr id="4" name="Text Placeholder 3">
             <a:extLst>
               <a:ext uri="{FF2B5EF4-FFF2-40B4-BE49-F238E27FC236}">
-                <a16:creationId xmlns:a16="http://schemas.microsoft.com/office/drawing/2014/main" id="{641EFD6D-1929-4A73-A860-22A36FF5C17D}"/>
+                <a16:creationId xmlns="" xmlns:a16="http://schemas.microsoft.com/office/drawing/2014/main" id="{641EFD6D-1929-4A73-A860-22A36FF5C17D}"/>
               </a:ext>
             </a:extLst>
           </p:cNvPr>
@@ -2931,7 +2932,7 @@
           <p:cNvPr id="5" name="Date Placeholder 4">
             <a:extLst>
               <a:ext uri="{FF2B5EF4-FFF2-40B4-BE49-F238E27FC236}">
-                <a16:creationId xmlns:a16="http://schemas.microsoft.com/office/drawing/2014/main" id="{A9B399A5-94A1-4452-AFF0-918BDA8B14F9}"/>
+                <a16:creationId xmlns="" xmlns:a16="http://schemas.microsoft.com/office/drawing/2014/main" id="{A9B399A5-94A1-4452-AFF0-918BDA8B14F9}"/>
               </a:ext>
             </a:extLst>
           </p:cNvPr>
@@ -2949,7 +2950,7 @@
           <a:p>
             <a:fld id="{C485584D-7D79-4248-9986-4CA35242F944}" type="datetimeFigureOut">
               <a:rPr lang="en-US" smtClean="0"/>
-              <a:t>1/3/24</a:t>
+              <a:t>1/4/2024</a:t>
             </a:fld>
             <a:endParaRPr lang="en-US"/>
           </a:p>
@@ -2960,7 +2961,7 @@
           <p:cNvPr id="6" name="Footer Placeholder 5">
             <a:extLst>
               <a:ext uri="{FF2B5EF4-FFF2-40B4-BE49-F238E27FC236}">
-                <a16:creationId xmlns:a16="http://schemas.microsoft.com/office/drawing/2014/main" id="{489589D8-DD83-406C-A77A-176D23993BA8}"/>
+                <a16:creationId xmlns="" xmlns:a16="http://schemas.microsoft.com/office/drawing/2014/main" id="{489589D8-DD83-406C-A77A-176D23993BA8}"/>
               </a:ext>
             </a:extLst>
           </p:cNvPr>
@@ -2985,7 +2986,7 @@
           <p:cNvPr id="7" name="Slide Number Placeholder 6">
             <a:extLst>
               <a:ext uri="{FF2B5EF4-FFF2-40B4-BE49-F238E27FC236}">
-                <a16:creationId xmlns:a16="http://schemas.microsoft.com/office/drawing/2014/main" id="{6DE46024-82ED-40EF-8846-F6CC44BC53DE}"/>
+                <a16:creationId xmlns="" xmlns:a16="http://schemas.microsoft.com/office/drawing/2014/main" id="{6DE46024-82ED-40EF-8846-F6CC44BC53DE}"/>
               </a:ext>
             </a:extLst>
           </p:cNvPr>
@@ -3044,7 +3045,7 @@
           <p:cNvPr id="2" name="Title 1">
             <a:extLst>
               <a:ext uri="{FF2B5EF4-FFF2-40B4-BE49-F238E27FC236}">
-                <a16:creationId xmlns:a16="http://schemas.microsoft.com/office/drawing/2014/main" id="{70BD12FA-83A4-42AF-98D7-312C4C5A7128}"/>
+                <a16:creationId xmlns="" xmlns:a16="http://schemas.microsoft.com/office/drawing/2014/main" id="{70BD12FA-83A4-42AF-98D7-312C4C5A7128}"/>
               </a:ext>
             </a:extLst>
           </p:cNvPr>
@@ -3082,7 +3083,7 @@
           <p:cNvPr id="3" name="Picture Placeholder 2">
             <a:extLst>
               <a:ext uri="{FF2B5EF4-FFF2-40B4-BE49-F238E27FC236}">
-                <a16:creationId xmlns:a16="http://schemas.microsoft.com/office/drawing/2014/main" id="{46CF1DC8-2932-4C6E-BFBB-8BA1C9598425}"/>
+                <a16:creationId xmlns="" xmlns:a16="http://schemas.microsoft.com/office/drawing/2014/main" id="{46CF1DC8-2932-4C6E-BFBB-8BA1C9598425}"/>
               </a:ext>
             </a:extLst>
           </p:cNvPr>
@@ -3152,7 +3153,7 @@
           <p:cNvPr id="4" name="Text Placeholder 3">
             <a:extLst>
               <a:ext uri="{FF2B5EF4-FFF2-40B4-BE49-F238E27FC236}">
-                <a16:creationId xmlns:a16="http://schemas.microsoft.com/office/drawing/2014/main" id="{8D6E0000-EF01-46A5-8A71-25FB7EA3F94A}"/>
+                <a16:creationId xmlns="" xmlns:a16="http://schemas.microsoft.com/office/drawing/2014/main" id="{8D6E0000-EF01-46A5-8A71-25FB7EA3F94A}"/>
               </a:ext>
             </a:extLst>
           </p:cNvPr>
@@ -3223,7 +3224,7 @@
           <p:cNvPr id="5" name="Date Placeholder 4">
             <a:extLst>
               <a:ext uri="{FF2B5EF4-FFF2-40B4-BE49-F238E27FC236}">
-                <a16:creationId xmlns:a16="http://schemas.microsoft.com/office/drawing/2014/main" id="{401AD40B-9246-4532-9F73-5BA9061C3ABA}"/>
+                <a16:creationId xmlns="" xmlns:a16="http://schemas.microsoft.com/office/drawing/2014/main" id="{401AD40B-9246-4532-9F73-5BA9061C3ABA}"/>
               </a:ext>
             </a:extLst>
           </p:cNvPr>
@@ -3241,7 +3242,7 @@
           <a:p>
             <a:fld id="{C485584D-7D79-4248-9986-4CA35242F944}" type="datetimeFigureOut">
               <a:rPr lang="en-US" smtClean="0"/>
-              <a:t>1/3/24</a:t>
+              <a:t>1/4/2024</a:t>
             </a:fld>
             <a:endParaRPr lang="en-US"/>
           </a:p>
@@ -3252,7 +3253,7 @@
           <p:cNvPr id="6" name="Footer Placeholder 5">
             <a:extLst>
               <a:ext uri="{FF2B5EF4-FFF2-40B4-BE49-F238E27FC236}">
-                <a16:creationId xmlns:a16="http://schemas.microsoft.com/office/drawing/2014/main" id="{8BE6B9A0-5B1C-4F7B-828A-EF74E51478BD}"/>
+                <a16:creationId xmlns="" xmlns:a16="http://schemas.microsoft.com/office/drawing/2014/main" id="{8BE6B9A0-5B1C-4F7B-828A-EF74E51478BD}"/>
               </a:ext>
             </a:extLst>
           </p:cNvPr>
@@ -3277,7 +3278,7 @@
           <p:cNvPr id="7" name="Slide Number Placeholder 6">
             <a:extLst>
               <a:ext uri="{FF2B5EF4-FFF2-40B4-BE49-F238E27FC236}">
-                <a16:creationId xmlns:a16="http://schemas.microsoft.com/office/drawing/2014/main" id="{A82E99FB-C932-4165-A612-8B302D8F7229}"/>
+                <a16:creationId xmlns="" xmlns:a16="http://schemas.microsoft.com/office/drawing/2014/main" id="{A82E99FB-C932-4165-A612-8B302D8F7229}"/>
               </a:ext>
             </a:extLst>
           </p:cNvPr>
@@ -3341,7 +3342,7 @@
           <p:cNvPr id="2" name="Title Placeholder 1">
             <a:extLst>
               <a:ext uri="{FF2B5EF4-FFF2-40B4-BE49-F238E27FC236}">
-                <a16:creationId xmlns:a16="http://schemas.microsoft.com/office/drawing/2014/main" id="{16CE7638-D991-46E7-BF2C-67D1AC829628}"/>
+                <a16:creationId xmlns="" xmlns:a16="http://schemas.microsoft.com/office/drawing/2014/main" id="{16CE7638-D991-46E7-BF2C-67D1AC829628}"/>
               </a:ext>
             </a:extLst>
           </p:cNvPr>
@@ -3379,7 +3380,7 @@
           <p:cNvPr id="3" name="Text Placeholder 2">
             <a:extLst>
               <a:ext uri="{FF2B5EF4-FFF2-40B4-BE49-F238E27FC236}">
-                <a16:creationId xmlns:a16="http://schemas.microsoft.com/office/drawing/2014/main" id="{CA7C6B9C-4923-4DAB-9748-D5CD289EB978}"/>
+                <a16:creationId xmlns="" xmlns:a16="http://schemas.microsoft.com/office/drawing/2014/main" id="{CA7C6B9C-4923-4DAB-9748-D5CD289EB978}"/>
               </a:ext>
             </a:extLst>
           </p:cNvPr>
@@ -3446,7 +3447,7 @@
           <p:cNvPr id="6" name="Slide Number Placeholder 5">
             <a:extLst>
               <a:ext uri="{FF2B5EF4-FFF2-40B4-BE49-F238E27FC236}">
-                <a16:creationId xmlns:a16="http://schemas.microsoft.com/office/drawing/2014/main" id="{E7578CF6-4B33-40E4-B881-5F4C568378E1}"/>
+                <a16:creationId xmlns="" xmlns:a16="http://schemas.microsoft.com/office/drawing/2014/main" id="{E7578CF6-4B33-40E4-B881-5F4C568378E1}"/>
               </a:ext>
             </a:extLst>
           </p:cNvPr>
@@ -3491,7 +3492,7 @@
           <p:cNvPr id="4" name="Date Placeholder 3">
             <a:extLst>
               <a:ext uri="{FF2B5EF4-FFF2-40B4-BE49-F238E27FC236}">
-                <a16:creationId xmlns:a16="http://schemas.microsoft.com/office/drawing/2014/main" id="{25AE857E-F564-4539-9984-10435B6140AC}"/>
+                <a16:creationId xmlns="" xmlns:a16="http://schemas.microsoft.com/office/drawing/2014/main" id="{25AE857E-F564-4539-9984-10435B6140AC}"/>
               </a:ext>
             </a:extLst>
           </p:cNvPr>
@@ -3525,7 +3526,7 @@
           <a:p>
             <a:fld id="{C485584D-7D79-4248-9986-4CA35242F944}" type="datetimeFigureOut">
               <a:rPr lang="en-US" smtClean="0"/>
-              <a:t>1/3/24</a:t>
+              <a:t>1/4/2024</a:t>
             </a:fld>
             <a:endParaRPr lang="en-US"/>
           </a:p>
@@ -3536,7 +3537,7 @@
           <p:cNvPr id="5" name="Footer Placeholder 4">
             <a:extLst>
               <a:ext uri="{FF2B5EF4-FFF2-40B4-BE49-F238E27FC236}">
-                <a16:creationId xmlns:a16="http://schemas.microsoft.com/office/drawing/2014/main" id="{7D1EABEF-B998-4B11-A878-8F492F8E3983}"/>
+                <a16:creationId xmlns="" xmlns:a16="http://schemas.microsoft.com/office/drawing/2014/main" id="{7D1EABEF-B998-4B11-A878-8F492F8E3983}"/>
               </a:ext>
             </a:extLst>
           </p:cNvPr>
@@ -3577,7 +3578,7 @@
           <p:cNvPr id="16" name="Freeform: Shape 15">
             <a:extLst>
               <a:ext uri="{FF2B5EF4-FFF2-40B4-BE49-F238E27FC236}">
-                <a16:creationId xmlns:a16="http://schemas.microsoft.com/office/drawing/2014/main" id="{9EB54D17-3792-403D-9127-495845021D2B}"/>
+                <a16:creationId xmlns="" xmlns:a16="http://schemas.microsoft.com/office/drawing/2014/main" id="{9EB54D17-3792-403D-9127-495845021D2B}"/>
               </a:ext>
             </a:extLst>
           </p:cNvPr>
@@ -4038,10 +4039,10 @@
           <p:cNvPr id="17" name="Rectangle 8">
             <a:extLst>
               <a:ext uri="{FF2B5EF4-FFF2-40B4-BE49-F238E27FC236}">
-                <a16:creationId xmlns:a16="http://schemas.microsoft.com/office/drawing/2014/main" id="{DD8EACB7-D372-470B-B76E-A829D00310CD}"/>
+                <a16:creationId xmlns="" xmlns:a16="http://schemas.microsoft.com/office/drawing/2014/main" id="{DD8EACB7-D372-470B-B76E-A829D00310CD}"/>
               </a:ext>
               <a:ext uri="{C183D7F6-B498-43B3-948B-1728B52AA6E4}">
-                <adec:decorative xmlns:adec="http://schemas.microsoft.com/office/drawing/2017/decorative" val="1"/>
+                <adec:decorative xmlns="" xmlns:adec="http://schemas.microsoft.com/office/drawing/2017/decorative" val="1"/>
               </a:ext>
             </a:extLst>
           </p:cNvPr>
@@ -4051,7 +4052,7 @@
           <p:nvPr>
             <p:extLst>
               <p:ext uri="{386F3935-93C4-4BCD-93E2-E3B085C9AB24}">
-                <p16:designElem xmlns:p16="http://schemas.microsoft.com/office/powerpoint/2015/main" val="1"/>
+                <p16:designElem xmlns="" xmlns:p16="http://schemas.microsoft.com/office/powerpoint/2015/main" val="1"/>
               </p:ext>
             </p:extLst>
           </p:nvPr>
@@ -4114,7 +4115,7 @@
           <p:cNvPr id="18" name="Picture 3" descr="A blue abstract watercolor pattern on a white background">
             <a:extLst>
               <a:ext uri="{FF2B5EF4-FFF2-40B4-BE49-F238E27FC236}">
-                <a16:creationId xmlns:a16="http://schemas.microsoft.com/office/drawing/2014/main" id="{E070731E-EBD1-ADE7-517B-33DC09A0A4B3}"/>
+                <a16:creationId xmlns="" xmlns:a16="http://schemas.microsoft.com/office/drawing/2014/main" id="{E070731E-EBD1-ADE7-517B-33DC09A0A4B3}"/>
               </a:ext>
             </a:extLst>
           </p:cNvPr>
@@ -4143,10 +4144,10 @@
           <p:cNvPr id="19" name="Rectangle 5">
             <a:extLst>
               <a:ext uri="{FF2B5EF4-FFF2-40B4-BE49-F238E27FC236}">
-                <a16:creationId xmlns:a16="http://schemas.microsoft.com/office/drawing/2014/main" id="{FBE11A49-02A1-4D4C-9A49-CDF496B1094F}"/>
+                <a16:creationId xmlns="" xmlns:a16="http://schemas.microsoft.com/office/drawing/2014/main" id="{FBE11A49-02A1-4D4C-9A49-CDF496B1094F}"/>
               </a:ext>
               <a:ext uri="{C183D7F6-B498-43B3-948B-1728B52AA6E4}">
-                <adec:decorative xmlns:adec="http://schemas.microsoft.com/office/drawing/2017/decorative" val="1"/>
+                <adec:decorative xmlns="" xmlns:adec="http://schemas.microsoft.com/office/drawing/2017/decorative" val="1"/>
               </a:ext>
             </a:extLst>
           </p:cNvPr>
@@ -4156,7 +4157,7 @@
           <p:nvPr>
             <p:extLst>
               <p:ext uri="{386F3935-93C4-4BCD-93E2-E3B085C9AB24}">
-                <p16:designElem xmlns:p16="http://schemas.microsoft.com/office/powerpoint/2015/main" val="1"/>
+                <p16:designElem xmlns="" xmlns:p16="http://schemas.microsoft.com/office/powerpoint/2015/main" val="1"/>
               </p:ext>
             </p:extLst>
           </p:nvPr>
@@ -4289,7 +4290,7 @@
           <p:cNvPr id="2" name="Title 1">
             <a:extLst>
               <a:ext uri="{FF2B5EF4-FFF2-40B4-BE49-F238E27FC236}">
-                <a16:creationId xmlns:a16="http://schemas.microsoft.com/office/drawing/2014/main" id="{DC949E78-0EC1-0695-AA0A-FBB3C4D4A51E}"/>
+                <a16:creationId xmlns="" xmlns:a16="http://schemas.microsoft.com/office/drawing/2014/main" id="{DC949E78-0EC1-0695-AA0A-FBB3C4D4A51E}"/>
               </a:ext>
             </a:extLst>
           </p:cNvPr>
@@ -4328,7 +4329,7 @@
           <p:cNvPr id="3" name="Subtitle 2">
             <a:extLst>
               <a:ext uri="{FF2B5EF4-FFF2-40B4-BE49-F238E27FC236}">
-                <a16:creationId xmlns:a16="http://schemas.microsoft.com/office/drawing/2014/main" id="{5DF50B34-7F53-0159-29A9-7A7B2D0BB12D}"/>
+                <a16:creationId xmlns="" xmlns:a16="http://schemas.microsoft.com/office/drawing/2014/main" id="{5DF50B34-7F53-0159-29A9-7A7B2D0BB12D}"/>
               </a:ext>
             </a:extLst>
           </p:cNvPr>
@@ -4347,28 +4348,70 @@
         </p:spPr>
         <p:txBody>
           <a:bodyPr>
-            <a:normAutofit/>
+            <a:normAutofit fontScale="92500" lnSpcReduction="10000"/>
           </a:bodyPr>
           <a:lstStyle/>
           <a:p>
             <a:r>
+              <a:rPr lang="en-US" b="1" dirty="0" smtClean="0">
+                <a:solidFill>
+                  <a:schemeClr val="accent3"/>
+                </a:solidFill>
+              </a:rPr>
+              <a:t>Complete Guide On </a:t>
+            </a:r>
+            <a:r>
+              <a:rPr lang="en-US" b="1" dirty="0" err="1" smtClean="0">
+                <a:solidFill>
+                  <a:schemeClr val="accent3"/>
+                </a:solidFill>
+              </a:rPr>
+              <a:t>Langchain</a:t>
+            </a:r>
+            <a:r>
+              <a:rPr lang="en-US" b="1" dirty="0" smtClean="0">
+                <a:solidFill>
+                  <a:schemeClr val="accent3"/>
+                </a:solidFill>
+              </a:rPr>
+              <a:t> Text </a:t>
+            </a:r>
+            <a:r>
+              <a:rPr lang="en-US" b="1" dirty="0" smtClean="0">
+                <a:solidFill>
+                  <a:schemeClr val="accent3"/>
+                </a:solidFill>
+              </a:rPr>
+              <a:t>Splitter</a:t>
+            </a:r>
+            <a:endParaRPr lang="en-US" b="1" dirty="0">
+              <a:solidFill>
+                <a:schemeClr val="accent3"/>
+              </a:solidFill>
+            </a:endParaRPr>
+          </a:p>
+          <a:p>
+            <a:r>
               <a:rPr lang="en-US" b="1" dirty="0">
                 <a:solidFill>
                   <a:schemeClr val="accent3"/>
                 </a:solidFill>
               </a:rPr>
-              <a:t>Load Pdf Files Using Langchain</a:t>
-            </a:r>
-          </a:p>
-          <a:p>
-            <a:r>
-              <a:rPr lang="en-US" b="1" dirty="0">
+              <a:t>TUTORIAL : </a:t>
+            </a:r>
+            <a:r>
+              <a:rPr lang="en-US" b="1" dirty="0" smtClean="0">
                 <a:solidFill>
                   <a:schemeClr val="accent3"/>
                 </a:solidFill>
               </a:rPr>
-              <a:t>TUTORIAL : 27</a:t>
-            </a:r>
+              <a:t>28</a:t>
+            </a:r>
+            <a:endParaRPr lang="en-US" b="1" dirty="0">
+              <a:solidFill>
+                <a:schemeClr val="accent3"/>
+              </a:solidFill>
+            </a:endParaRPr>
           </a:p>
         </p:txBody>
       </p:sp>
@@ -4377,10 +4420,10 @@
           <p:cNvPr id="20" name="Group 12">
             <a:extLst>
               <a:ext uri="{FF2B5EF4-FFF2-40B4-BE49-F238E27FC236}">
-                <a16:creationId xmlns:a16="http://schemas.microsoft.com/office/drawing/2014/main" id="{F1732D3A-CFF0-45BE-AD79-F83D0272C6C6}"/>
+                <a16:creationId xmlns="" xmlns:a16="http://schemas.microsoft.com/office/drawing/2014/main" id="{F1732D3A-CFF0-45BE-AD79-F83D0272C6C6}"/>
               </a:ext>
               <a:ext uri="{C183D7F6-B498-43B3-948B-1728B52AA6E4}">
-                <adec:decorative xmlns:adec="http://schemas.microsoft.com/office/drawing/2017/decorative" val="1"/>
+                <adec:decorative xmlns="" xmlns:adec="http://schemas.microsoft.com/office/drawing/2017/decorative" val="1"/>
               </a:ext>
             </a:extLst>
           </p:cNvPr>
@@ -4390,7 +4433,7 @@
           <p:nvPr>
             <p:extLst>
               <p:ext uri="{386F3935-93C4-4BCD-93E2-E3B085C9AB24}">
-                <p16:designElem xmlns:p16="http://schemas.microsoft.com/office/powerpoint/2015/main" val="1"/>
+                <p16:designElem xmlns="" xmlns:p16="http://schemas.microsoft.com/office/powerpoint/2015/main" val="1"/>
               </p:ext>
             </p:extLst>
           </p:nvPr>
@@ -4408,10 +4451,10 @@
             <p:cNvPr id="14" name="Rectangle 13">
               <a:extLst>
                 <a:ext uri="{FF2B5EF4-FFF2-40B4-BE49-F238E27FC236}">
-                  <a16:creationId xmlns:a16="http://schemas.microsoft.com/office/drawing/2014/main" id="{C892F72C-7FB6-49C8-A402-D5DC42DB6746}"/>
+                  <a16:creationId xmlns="" xmlns:a16="http://schemas.microsoft.com/office/drawing/2014/main" id="{C892F72C-7FB6-49C8-A402-D5DC42DB6746}"/>
                 </a:ext>
                 <a:ext uri="{C183D7F6-B498-43B3-948B-1728B52AA6E4}">
-                  <adec:decorative xmlns:adec="http://schemas.microsoft.com/office/drawing/2017/decorative" val="1"/>
+                  <adec:decorative xmlns="" xmlns:adec="http://schemas.microsoft.com/office/drawing/2017/decorative" val="1"/>
                 </a:ext>
               </a:extLst>
             </p:cNvPr>
@@ -4419,7 +4462,7 @@
             <p:nvPr>
               <p:extLst>
                 <p:ext uri="{386F3935-93C4-4BCD-93E2-E3B085C9AB24}">
-                  <p16:designElem xmlns:p16="http://schemas.microsoft.com/office/powerpoint/2015/main" val="1"/>
+                  <p16:designElem xmlns="" xmlns:p16="http://schemas.microsoft.com/office/powerpoint/2015/main" val="1"/>
                 </p:ext>
               </p:extLst>
             </p:nvPr>
@@ -4469,10 +4512,10 @@
             <p:cNvPr id="15" name="Straight Connector 14">
               <a:extLst>
                 <a:ext uri="{FF2B5EF4-FFF2-40B4-BE49-F238E27FC236}">
-                  <a16:creationId xmlns:a16="http://schemas.microsoft.com/office/drawing/2014/main" id="{FC92C2E1-605F-49BD-8AC8-DC52B3015E39}"/>
+                  <a16:creationId xmlns="" xmlns:a16="http://schemas.microsoft.com/office/drawing/2014/main" id="{FC92C2E1-605F-49BD-8AC8-DC52B3015E39}"/>
                 </a:ext>
                 <a:ext uri="{C183D7F6-B498-43B3-948B-1728B52AA6E4}">
-                  <adec:decorative xmlns:adec="http://schemas.microsoft.com/office/drawing/2017/decorative" val="1"/>
+                  <adec:decorative xmlns="" xmlns:adec="http://schemas.microsoft.com/office/drawing/2017/decorative" val="1"/>
                 </a:ext>
               </a:extLst>
             </p:cNvPr>
@@ -4480,7 +4523,7 @@
             <p:nvPr>
               <p:extLst>
                 <p:ext uri="{386F3935-93C4-4BCD-93E2-E3B085C9AB24}">
-                  <p16:designElem xmlns:p16="http://schemas.microsoft.com/office/powerpoint/2015/main" val="1"/>
+                  <p16:designElem xmlns="" xmlns:p16="http://schemas.microsoft.com/office/powerpoint/2015/main" val="1"/>
                 </p:ext>
               </p:extLst>
             </p:nvPr>
@@ -4519,10 +4562,10 @@
             <p:cNvPr id="16" name="Straight Connector 15">
               <a:extLst>
                 <a:ext uri="{FF2B5EF4-FFF2-40B4-BE49-F238E27FC236}">
-                  <a16:creationId xmlns:a16="http://schemas.microsoft.com/office/drawing/2014/main" id="{38BE2E0F-EE6D-4748-AB8F-724D0DDC6E00}"/>
+                  <a16:creationId xmlns="" xmlns:a16="http://schemas.microsoft.com/office/drawing/2014/main" id="{38BE2E0F-EE6D-4748-AB8F-724D0DDC6E00}"/>
                 </a:ext>
                 <a:ext uri="{C183D7F6-B498-43B3-948B-1728B52AA6E4}">
-                  <adec:decorative xmlns:adec="http://schemas.microsoft.com/office/drawing/2017/decorative" val="1"/>
+                  <adec:decorative xmlns="" xmlns:adec="http://schemas.microsoft.com/office/drawing/2017/decorative" val="1"/>
                 </a:ext>
               </a:extLst>
             </p:cNvPr>
@@ -4530,7 +4573,7 @@
             <p:nvPr>
               <p:extLst>
                 <p:ext uri="{386F3935-93C4-4BCD-93E2-E3B085C9AB24}">
-                  <p16:designElem xmlns:p16="http://schemas.microsoft.com/office/powerpoint/2015/main" val="1"/>
+                  <p16:designElem xmlns="" xmlns:p16="http://schemas.microsoft.com/office/powerpoint/2015/main" val="1"/>
                 </p:ext>
               </p:extLst>
             </p:nvPr>
@@ -4570,7 +4613,7 @@
           <p:cNvPr id="6" name="Picture 5" descr="A logo of a person with glasses&#10;&#10;Description automatically generated">
             <a:extLst>
               <a:ext uri="{FF2B5EF4-FFF2-40B4-BE49-F238E27FC236}">
-                <a16:creationId xmlns:a16="http://schemas.microsoft.com/office/drawing/2014/main" id="{EC1B70AB-4AF2-8081-F252-DC8953E87874}"/>
+                <a16:creationId xmlns="" xmlns:a16="http://schemas.microsoft.com/office/drawing/2014/main" id="{EC1B70AB-4AF2-8081-F252-DC8953E87874}"/>
               </a:ext>
             </a:extLst>
           </p:cNvPr>
@@ -4630,7 +4673,7 @@
           <p:cNvPr id="2" name="Title 1">
             <a:extLst>
               <a:ext uri="{FF2B5EF4-FFF2-40B4-BE49-F238E27FC236}">
-                <a16:creationId xmlns:a16="http://schemas.microsoft.com/office/drawing/2014/main" id="{BC22D0EC-5238-F4BF-1133-D79265EE0945}"/>
+                <a16:creationId xmlns="" xmlns:a16="http://schemas.microsoft.com/office/drawing/2014/main" id="{BC22D0EC-5238-F4BF-1133-D79265EE0945}"/>
               </a:ext>
             </a:extLst>
           </p:cNvPr>
@@ -4647,24 +4690,34 @@
           <a:lstStyle/>
           <a:p>
             <a:r>
-              <a:rPr lang="en-IN" b="0" i="0" dirty="0">
+              <a:rPr lang="en-IN" b="0" i="0" dirty="0" err="1" smtClean="0">
                 <a:solidFill>
                   <a:schemeClr val="accent3"/>
                 </a:solidFill>
                 <a:effectLst/>
                 <a:latin typeface="system-ui"/>
               </a:rPr>
-              <a:t>Load pdf files using </a:t>
-            </a:r>
-            <a:r>
-              <a:rPr lang="en-IN" b="0" i="0" dirty="0" err="1">
+              <a:t>Langchain</a:t>
+            </a:r>
+            <a:r>
+              <a:rPr lang="en-IN" b="0" i="0" dirty="0" smtClean="0">
                 <a:solidFill>
                   <a:schemeClr val="accent3"/>
                 </a:solidFill>
                 <a:effectLst/>
                 <a:latin typeface="system-ui"/>
               </a:rPr>
-              <a:t>langchain</a:t>
+              <a:t> Text </a:t>
+            </a:r>
+            <a:r>
+              <a:rPr lang="en-IN" b="0" i="0" dirty="0" smtClean="0">
+                <a:solidFill>
+                  <a:schemeClr val="accent3"/>
+                </a:solidFill>
+                <a:effectLst/>
+                <a:latin typeface="system-ui"/>
+              </a:rPr>
+              <a:t>Splitters</a:t>
             </a:r>
             <a:endParaRPr lang="en-US" b="1" dirty="0">
               <a:solidFill>
@@ -4689,55 +4742,117 @@
         <p:spPr/>
         <p:txBody>
           <a:bodyPr>
-            <a:normAutofit/>
+            <a:normAutofit fontScale="70000" lnSpcReduction="20000"/>
           </a:bodyPr>
           <a:lstStyle/>
           <a:p>
-            <a:endParaRPr lang="en-IN" dirty="0"/>
-          </a:p>
-          <a:p>
-            <a:r>
-              <a:rPr lang="en-IN" b="0" i="0" dirty="0">
-                <a:solidFill>
-                  <a:srgbClr val="1C1E21"/>
-                </a:solidFill>
-                <a:effectLst/>
-                <a:latin typeface="system-ui"/>
-              </a:rPr>
-              <a:t>Load PDF using </a:t>
-            </a:r>
-            <a:r>
-              <a:rPr lang="en-IN" dirty="0" err="1"/>
-              <a:t>pypdf</a:t>
-            </a:r>
-            <a:r>
-              <a:rPr lang="en-IN" b="0" i="0" dirty="0">
-                <a:solidFill>
-                  <a:srgbClr val="1C1E21"/>
-                </a:solidFill>
-                <a:effectLst/>
-                <a:latin typeface="system-ui"/>
-              </a:rPr>
-              <a:t> into array of documents, where each document contains the page content and metadata with </a:t>
-            </a:r>
-            <a:r>
-              <a:rPr lang="en-IN" dirty="0"/>
-              <a:t>page</a:t>
-            </a:r>
-            <a:r>
-              <a:rPr lang="en-IN" b="0" i="0" dirty="0">
-                <a:solidFill>
-                  <a:srgbClr val="1C1E21"/>
-                </a:solidFill>
-                <a:effectLst/>
-                <a:latin typeface="system-ui"/>
-              </a:rPr>
-              <a:t> number.</a:t>
-            </a:r>
             <a:endParaRPr lang="en-IN" dirty="0">
               <a:solidFill>
-                <a:srgbClr val="00B0F0"/>
+                <a:schemeClr val="accent2"/>
               </a:solidFill>
+            </a:endParaRPr>
+          </a:p>
+          <a:p>
+            <a:r>
+              <a:rPr lang="en-US" dirty="0">
+                <a:solidFill>
+                  <a:schemeClr val="accent2"/>
+                </a:solidFill>
+                <a:latin typeface="system-ui"/>
+              </a:rPr>
+              <a:t>Once you've loaded documents, you'll often want to transform them to better suit your application. The simplest example is you may want to split a long document into smaller chunks that can fit into your model's context window. </a:t>
+            </a:r>
+            <a:r>
+              <a:rPr lang="en-US" dirty="0" err="1">
+                <a:solidFill>
+                  <a:schemeClr val="accent2"/>
+                </a:solidFill>
+                <a:latin typeface="system-ui"/>
+              </a:rPr>
+              <a:t>LangChain</a:t>
+            </a:r>
+            <a:r>
+              <a:rPr lang="en-US" dirty="0">
+                <a:solidFill>
+                  <a:schemeClr val="accent2"/>
+                </a:solidFill>
+                <a:latin typeface="system-ui"/>
+              </a:rPr>
+              <a:t> has a number of built-in document transformers that make it easy to split, combine, filter, and otherwise manipulate documents.</a:t>
+            </a:r>
+          </a:p>
+          <a:p>
+            <a:r>
+              <a:rPr lang="en-US" dirty="0">
+                <a:solidFill>
+                  <a:schemeClr val="accent2"/>
+                </a:solidFill>
+                <a:latin typeface="system-ui"/>
+              </a:rPr>
+              <a:t>When you want to deal with long pieces of text, it is necessary to split up that text into chunks. As simple as this sounds, there is a lot of potential complexity here. Ideally, you want to keep the semantically related pieces of text together. What "semantically related" means could depend on the type of text. This notebook showcases several ways to do that.</a:t>
+            </a:r>
+          </a:p>
+          <a:p>
+            <a:r>
+              <a:rPr lang="en-US" dirty="0">
+                <a:solidFill>
+                  <a:schemeClr val="accent2"/>
+                </a:solidFill>
+                <a:latin typeface="system-ui"/>
+              </a:rPr>
+              <a:t>At a high level, text splitters work as following:</a:t>
+            </a:r>
+          </a:p>
+          <a:p>
+            <a:pPr>
+              <a:buFont typeface="+mj-lt"/>
+              <a:buAutoNum type="arabicPeriod"/>
+            </a:pPr>
+            <a:r>
+              <a:rPr lang="en-US" dirty="0">
+                <a:solidFill>
+                  <a:schemeClr val="accent2"/>
+                </a:solidFill>
+                <a:latin typeface="system-ui"/>
+              </a:rPr>
+              <a:t>Split the text up into small, semantically meaningful chunks (often sentences).</a:t>
+            </a:r>
+          </a:p>
+          <a:p>
+            <a:pPr>
+              <a:buFont typeface="+mj-lt"/>
+              <a:buAutoNum type="arabicPeriod"/>
+            </a:pPr>
+            <a:r>
+              <a:rPr lang="en-US" dirty="0">
+                <a:solidFill>
+                  <a:schemeClr val="accent2"/>
+                </a:solidFill>
+                <a:latin typeface="system-ui"/>
+              </a:rPr>
+              <a:t>Start combining these small chunks into a larger chunk until you reach a certain size (as measured by some function).</a:t>
+            </a:r>
+          </a:p>
+          <a:p>
+            <a:pPr>
+              <a:buFont typeface="+mj-lt"/>
+              <a:buAutoNum type="arabicPeriod"/>
+            </a:pPr>
+            <a:r>
+              <a:rPr lang="en-US" dirty="0">
+                <a:solidFill>
+                  <a:schemeClr val="accent2"/>
+                </a:solidFill>
+                <a:latin typeface="system-ui"/>
+              </a:rPr>
+              <a:t>Once you reach that size, make that chunk its own piece of text and then start creating a new chunk of text with some overlap (to keep context between chunks).</a:t>
+            </a:r>
+            <a:endParaRPr lang="en-US" b="0" i="0" dirty="0">
+              <a:solidFill>
+                <a:schemeClr val="accent2"/>
+              </a:solidFill>
+              <a:effectLst/>
+              <a:latin typeface="system-ui"/>
             </a:endParaRPr>
           </a:p>
         </p:txBody>
@@ -4777,7 +4892,7 @@
           <p:cNvPr id="2" name="Title 1">
             <a:extLst>
               <a:ext uri="{FF2B5EF4-FFF2-40B4-BE49-F238E27FC236}">
-                <a16:creationId xmlns:a16="http://schemas.microsoft.com/office/drawing/2014/main" id="{BC22D0EC-5238-F4BF-1133-D79265EE0945}"/>
+                <a16:creationId xmlns="" xmlns:a16="http://schemas.microsoft.com/office/drawing/2014/main" id="{BC22D0EC-5238-F4BF-1133-D79265EE0945}"/>
               </a:ext>
             </a:extLst>
           </p:cNvPr>
@@ -4788,34 +4903,30 @@
             <p:ph type="title"/>
           </p:nvPr>
         </p:nvSpPr>
-        <p:spPr/>
-        <p:txBody>
-          <a:bodyPr/>
+        <p:spPr>
+          <a:xfrm>
+            <a:off x="914400" y="315686"/>
+            <a:ext cx="10248900" cy="1696703"/>
+          </a:xfrm>
+        </p:spPr>
+        <p:txBody>
+          <a:bodyPr>
+            <a:normAutofit/>
+          </a:bodyPr>
           <a:lstStyle/>
           <a:p>
             <a:r>
-              <a:rPr lang="en-IN" b="0" i="0" dirty="0">
-                <a:solidFill>
-                  <a:schemeClr val="accent3"/>
-                </a:solidFill>
-                <a:effectLst/>
-                <a:latin typeface="system-ui"/>
-              </a:rPr>
-              <a:t>Load pdf files using </a:t>
-            </a:r>
-            <a:r>
-              <a:rPr lang="en-IN" b="0" i="0" dirty="0" err="1">
-                <a:solidFill>
-                  <a:schemeClr val="accent3"/>
-                </a:solidFill>
-                <a:effectLst/>
-                <a:latin typeface="system-ui"/>
-              </a:rPr>
-              <a:t>langchain</a:t>
+              <a:rPr lang="en-IN" dirty="0" err="1" smtClean="0">
+                <a:solidFill>
+                  <a:schemeClr val="accent2"/>
+                </a:solidFill>
+                <a:latin typeface="SFMono-Regular"/>
+              </a:rPr>
+              <a:t>RecursiveCharacterTextSplitter</a:t>
             </a:r>
             <a:endParaRPr lang="en-US" b="1" dirty="0">
               <a:solidFill>
-                <a:schemeClr val="accent3"/>
+                <a:schemeClr val="accent2"/>
               </a:solidFill>
               <a:latin typeface="Al Tarikh" pitchFamily="2" charset="-78"/>
               <a:cs typeface="Al Tarikh" pitchFamily="2" charset="-78"/>
@@ -4840,6 +4951,58 @@
           </a:bodyPr>
           <a:lstStyle/>
           <a:p>
+            <a:r>
+              <a:rPr lang="en-US" dirty="0">
+                <a:solidFill>
+                  <a:schemeClr val="accent2"/>
+                </a:solidFill>
+                <a:latin typeface="system-ui"/>
+              </a:rPr>
+              <a:t>This text splitter is the recommended one for generic text. It is parameterized by a list of characters. It tries to split on them in order until the chunks are small enough. The default list is ["\n\n", "\n", " ", ""]. This has the effect of trying to keep all paragraphs (and then sentences, and then words) together as long as possible, as those would generically seem to be the strongest semantically related pieces of text.</a:t>
+            </a:r>
+          </a:p>
+          <a:p>
+            <a:pPr>
+              <a:buFont typeface="+mj-lt"/>
+              <a:buAutoNum type="arabicPeriod"/>
+            </a:pPr>
+            <a:r>
+              <a:rPr lang="en-US" dirty="0">
+                <a:solidFill>
+                  <a:schemeClr val="accent2"/>
+                </a:solidFill>
+                <a:latin typeface="system-ui"/>
+              </a:rPr>
+              <a:t>How the text is split: by list of characters.</a:t>
+            </a:r>
+          </a:p>
+          <a:p>
+            <a:pPr>
+              <a:buFont typeface="+mj-lt"/>
+              <a:buAutoNum type="arabicPeriod"/>
+            </a:pPr>
+            <a:r>
+              <a:rPr lang="en-US" dirty="0">
+                <a:solidFill>
+                  <a:schemeClr val="accent2"/>
+                </a:solidFill>
+                <a:latin typeface="system-ui"/>
+              </a:rPr>
+              <a:t>How the chunk size is measured: by number of characters.</a:t>
+            </a:r>
+          </a:p>
+          <a:p>
+            <a:r>
+              <a:rPr lang="en-US" dirty="0">
+                <a:latin typeface="system-ui"/>
+              </a:rPr>
+              <a:t/>
+            </a:r>
+            <a:br>
+              <a:rPr lang="en-US" dirty="0">
+                <a:latin typeface="system-ui"/>
+              </a:rPr>
+            </a:br>
             <a:endParaRPr lang="en-IN" dirty="0">
               <a:solidFill>
                 <a:srgbClr val="00B0F0"/>
@@ -4852,6 +5015,824 @@
     <p:extLst>
       <p:ext uri="{BB962C8B-B14F-4D97-AF65-F5344CB8AC3E}">
         <p14:creationId xmlns:p14="http://schemas.microsoft.com/office/powerpoint/2010/main" val="1255331536"/>
+      </p:ext>
+    </p:extLst>
+  </p:cSld>
+  <p:clrMapOvr>
+    <a:masterClrMapping/>
+  </p:clrMapOvr>
+</p:sld>
+</file>
+
+<file path=ppt/slides/slide4.xml><?xml version="1.0" encoding="utf-8"?>
+<p:sld xmlns:a="http://schemas.openxmlformats.org/drawingml/2006/main" xmlns:r="http://schemas.openxmlformats.org/officeDocument/2006/relationships" xmlns:p="http://schemas.openxmlformats.org/presentationml/2006/main">
+  <p:cSld>
+    <p:spTree>
+      <p:nvGrpSpPr>
+        <p:cNvPr id="1" name=""/>
+        <p:cNvGrpSpPr/>
+        <p:nvPr/>
+      </p:nvGrpSpPr>
+      <p:grpSpPr>
+        <a:xfrm>
+          <a:off x="0" y="0"/>
+          <a:ext cx="0" cy="0"/>
+          <a:chOff x="0" y="0"/>
+          <a:chExt cx="0" cy="0"/>
+        </a:xfrm>
+      </p:grpSpPr>
+      <p:sp>
+        <p:nvSpPr>
+          <p:cNvPr id="2" name="Title 1"/>
+          <p:cNvSpPr>
+            <a:spLocks noGrp="1"/>
+          </p:cNvSpPr>
+          <p:nvPr>
+            <p:ph type="title"/>
+          </p:nvPr>
+        </p:nvSpPr>
+        <p:spPr/>
+        <p:txBody>
+          <a:bodyPr/>
+          <a:lstStyle/>
+          <a:p>
+            <a:r>
+              <a:rPr lang="en-IN" dirty="0" smtClean="0"/>
+              <a:t>Sample code</a:t>
+            </a:r>
+            <a:br>
+              <a:rPr lang="en-IN" dirty="0" smtClean="0"/>
+            </a:br>
+            <a:endParaRPr lang="en-IN" dirty="0"/>
+          </a:p>
+        </p:txBody>
+      </p:sp>
+      <p:sp>
+        <p:nvSpPr>
+          <p:cNvPr id="3" name="Content Placeholder 2"/>
+          <p:cNvSpPr>
+            <a:spLocks noGrp="1"/>
+          </p:cNvSpPr>
+          <p:nvPr>
+            <p:ph idx="1"/>
+          </p:nvPr>
+        </p:nvSpPr>
+        <p:spPr/>
+        <p:txBody>
+          <a:bodyPr>
+            <a:normAutofit fontScale="92500" lnSpcReduction="10000"/>
+          </a:bodyPr>
+          <a:lstStyle/>
+          <a:p>
+            <a:r>
+              <a:rPr lang="en-IN" dirty="0">
+                <a:solidFill>
+                  <a:srgbClr val="AF00DB"/>
+                </a:solidFill>
+                <a:latin typeface="Consolas"/>
+              </a:rPr>
+              <a:t>from</a:t>
+            </a:r>
+            <a:r>
+              <a:rPr lang="en-IN" dirty="0">
+                <a:solidFill>
+                  <a:srgbClr val="3B3B3B"/>
+                </a:solidFill>
+                <a:latin typeface="Consolas"/>
+              </a:rPr>
+              <a:t> </a:t>
+            </a:r>
+            <a:r>
+              <a:rPr lang="en-IN" dirty="0" err="1">
+                <a:solidFill>
+                  <a:srgbClr val="267F99"/>
+                </a:solidFill>
+                <a:latin typeface="Consolas"/>
+              </a:rPr>
+              <a:t>langchain</a:t>
+            </a:r>
+            <a:r>
+              <a:rPr lang="en-IN" dirty="0" err="1">
+                <a:solidFill>
+                  <a:srgbClr val="3B3B3B"/>
+                </a:solidFill>
+                <a:latin typeface="Consolas"/>
+              </a:rPr>
+              <a:t>.</a:t>
+            </a:r>
+            <a:r>
+              <a:rPr lang="en-IN" dirty="0" err="1">
+                <a:solidFill>
+                  <a:srgbClr val="267F99"/>
+                </a:solidFill>
+                <a:latin typeface="Consolas"/>
+              </a:rPr>
+              <a:t>text_splitter</a:t>
+            </a:r>
+            <a:r>
+              <a:rPr lang="en-IN" dirty="0">
+                <a:solidFill>
+                  <a:srgbClr val="3B3B3B"/>
+                </a:solidFill>
+                <a:latin typeface="Consolas"/>
+              </a:rPr>
+              <a:t> </a:t>
+            </a:r>
+            <a:r>
+              <a:rPr lang="en-IN" dirty="0">
+                <a:solidFill>
+                  <a:srgbClr val="AF00DB"/>
+                </a:solidFill>
+                <a:latin typeface="Consolas"/>
+              </a:rPr>
+              <a:t>import</a:t>
+            </a:r>
+            <a:r>
+              <a:rPr lang="en-IN" dirty="0">
+                <a:solidFill>
+                  <a:srgbClr val="3B3B3B"/>
+                </a:solidFill>
+                <a:latin typeface="Consolas"/>
+              </a:rPr>
+              <a:t> </a:t>
+            </a:r>
+            <a:r>
+              <a:rPr lang="en-IN" dirty="0" err="1">
+                <a:solidFill>
+                  <a:srgbClr val="267F99"/>
+                </a:solidFill>
+                <a:latin typeface="Consolas"/>
+              </a:rPr>
+              <a:t>RecursiveCharacterTextSplitter</a:t>
+            </a:r>
+            <a:endParaRPr lang="en-IN" dirty="0">
+              <a:solidFill>
+                <a:srgbClr val="3B3B3B"/>
+              </a:solidFill>
+              <a:latin typeface="Consolas"/>
+            </a:endParaRPr>
+          </a:p>
+          <a:p>
+            <a:r>
+              <a:rPr lang="en-IN" dirty="0">
+                <a:solidFill>
+                  <a:srgbClr val="AF00DB"/>
+                </a:solidFill>
+                <a:latin typeface="Consolas"/>
+              </a:rPr>
+              <a:t>with</a:t>
+            </a:r>
+            <a:r>
+              <a:rPr lang="en-IN" dirty="0">
+                <a:solidFill>
+                  <a:srgbClr val="3B3B3B"/>
+                </a:solidFill>
+                <a:latin typeface="Consolas"/>
+              </a:rPr>
+              <a:t> </a:t>
+            </a:r>
+            <a:r>
+              <a:rPr lang="en-IN" dirty="0">
+                <a:solidFill>
+                  <a:srgbClr val="795E26"/>
+                </a:solidFill>
+                <a:latin typeface="Consolas"/>
+              </a:rPr>
+              <a:t>open</a:t>
+            </a:r>
+            <a:r>
+              <a:rPr lang="en-IN" dirty="0">
+                <a:solidFill>
+                  <a:srgbClr val="3B3B3B"/>
+                </a:solidFill>
+                <a:latin typeface="Consolas"/>
+              </a:rPr>
+              <a:t>(</a:t>
+            </a:r>
+            <a:r>
+              <a:rPr lang="en-IN" dirty="0">
+                <a:solidFill>
+                  <a:srgbClr val="A31515"/>
+                </a:solidFill>
+                <a:latin typeface="Consolas"/>
+              </a:rPr>
+              <a:t>"sample.txt"</a:t>
+            </a:r>
+            <a:r>
+              <a:rPr lang="en-IN" dirty="0">
+                <a:solidFill>
+                  <a:srgbClr val="3B3B3B"/>
+                </a:solidFill>
+                <a:latin typeface="Consolas"/>
+              </a:rPr>
+              <a:t>) </a:t>
+            </a:r>
+            <a:r>
+              <a:rPr lang="en-IN" dirty="0">
+                <a:solidFill>
+                  <a:srgbClr val="AF00DB"/>
+                </a:solidFill>
+                <a:latin typeface="Consolas"/>
+              </a:rPr>
+              <a:t>as</a:t>
+            </a:r>
+            <a:r>
+              <a:rPr lang="en-IN" dirty="0">
+                <a:solidFill>
+                  <a:srgbClr val="3B3B3B"/>
+                </a:solidFill>
+                <a:latin typeface="Consolas"/>
+              </a:rPr>
+              <a:t> </a:t>
+            </a:r>
+            <a:r>
+              <a:rPr lang="en-IN" dirty="0">
+                <a:solidFill>
+                  <a:srgbClr val="001080"/>
+                </a:solidFill>
+                <a:latin typeface="Consolas"/>
+              </a:rPr>
+              <a:t>f1</a:t>
+            </a:r>
+            <a:r>
+              <a:rPr lang="en-IN" dirty="0">
+                <a:solidFill>
+                  <a:srgbClr val="3B3B3B"/>
+                </a:solidFill>
+                <a:latin typeface="Consolas"/>
+              </a:rPr>
+              <a:t>:</a:t>
+            </a:r>
+          </a:p>
+          <a:p>
+            <a:r>
+              <a:rPr lang="en-IN" dirty="0">
+                <a:solidFill>
+                  <a:srgbClr val="3B3B3B"/>
+                </a:solidFill>
+                <a:latin typeface="Consolas"/>
+              </a:rPr>
+              <a:t>    </a:t>
+            </a:r>
+            <a:r>
+              <a:rPr lang="en-IN" dirty="0">
+                <a:solidFill>
+                  <a:srgbClr val="001080"/>
+                </a:solidFill>
+                <a:latin typeface="Consolas"/>
+              </a:rPr>
+              <a:t>data</a:t>
+            </a:r>
+            <a:r>
+              <a:rPr lang="en-IN" dirty="0">
+                <a:solidFill>
+                  <a:srgbClr val="000000"/>
+                </a:solidFill>
+                <a:latin typeface="Consolas"/>
+              </a:rPr>
+              <a:t>=</a:t>
+            </a:r>
+            <a:r>
+              <a:rPr lang="en-IN" dirty="0">
+                <a:solidFill>
+                  <a:srgbClr val="001080"/>
+                </a:solidFill>
+                <a:latin typeface="Consolas"/>
+              </a:rPr>
+              <a:t>f1</a:t>
+            </a:r>
+            <a:r>
+              <a:rPr lang="en-IN" dirty="0">
+                <a:solidFill>
+                  <a:srgbClr val="3B3B3B"/>
+                </a:solidFill>
+                <a:latin typeface="Consolas"/>
+              </a:rPr>
+              <a:t>.</a:t>
+            </a:r>
+            <a:r>
+              <a:rPr lang="en-IN" dirty="0">
+                <a:solidFill>
+                  <a:srgbClr val="795E26"/>
+                </a:solidFill>
+                <a:latin typeface="Consolas"/>
+              </a:rPr>
+              <a:t>read</a:t>
+            </a:r>
+            <a:r>
+              <a:rPr lang="en-IN" dirty="0">
+                <a:solidFill>
+                  <a:srgbClr val="3B3B3B"/>
+                </a:solidFill>
+                <a:latin typeface="Consolas"/>
+              </a:rPr>
+              <a:t>()</a:t>
+            </a:r>
+          </a:p>
+          <a:p>
+            <a:r>
+              <a:rPr lang="en-IN" dirty="0">
+                <a:solidFill>
+                  <a:srgbClr val="3B3B3B"/>
+                </a:solidFill>
+                <a:latin typeface="Consolas"/>
+              </a:rPr>
+              <a:t>    </a:t>
+            </a:r>
+            <a:r>
+              <a:rPr lang="en-IN" dirty="0">
+                <a:solidFill>
+                  <a:srgbClr val="001080"/>
+                </a:solidFill>
+                <a:latin typeface="Consolas"/>
+              </a:rPr>
+              <a:t>f1</a:t>
+            </a:r>
+            <a:r>
+              <a:rPr lang="en-IN" dirty="0">
+                <a:solidFill>
+                  <a:srgbClr val="3B3B3B"/>
+                </a:solidFill>
+                <a:latin typeface="Consolas"/>
+              </a:rPr>
+              <a:t>.</a:t>
+            </a:r>
+            <a:r>
+              <a:rPr lang="en-IN" dirty="0">
+                <a:solidFill>
+                  <a:srgbClr val="795E26"/>
+                </a:solidFill>
+                <a:latin typeface="Consolas"/>
+              </a:rPr>
+              <a:t>close</a:t>
+            </a:r>
+            <a:r>
+              <a:rPr lang="en-IN" dirty="0">
+                <a:solidFill>
+                  <a:srgbClr val="3B3B3B"/>
+                </a:solidFill>
+                <a:latin typeface="Consolas"/>
+              </a:rPr>
+              <a:t>()</a:t>
+            </a:r>
+          </a:p>
+          <a:p>
+            <a:r>
+              <a:rPr lang="en-IN" dirty="0">
+                <a:solidFill>
+                  <a:srgbClr val="3B3B3B"/>
+                </a:solidFill>
+                <a:latin typeface="Consolas"/>
+              </a:rPr>
+              <a:t/>
+            </a:r>
+            <a:br>
+              <a:rPr lang="en-IN" dirty="0">
+                <a:solidFill>
+                  <a:srgbClr val="3B3B3B"/>
+                </a:solidFill>
+                <a:latin typeface="Consolas"/>
+              </a:rPr>
+            </a:br>
+            <a:r>
+              <a:rPr lang="en-IN" dirty="0" err="1">
+                <a:solidFill>
+                  <a:srgbClr val="001080"/>
+                </a:solidFill>
+                <a:latin typeface="Consolas"/>
+              </a:rPr>
+              <a:t>ts</a:t>
+            </a:r>
+            <a:r>
+              <a:rPr lang="en-IN" dirty="0">
+                <a:solidFill>
+                  <a:srgbClr val="000000"/>
+                </a:solidFill>
+                <a:latin typeface="Consolas"/>
+              </a:rPr>
+              <a:t>=</a:t>
+            </a:r>
+            <a:r>
+              <a:rPr lang="en-IN" dirty="0" err="1">
+                <a:solidFill>
+                  <a:srgbClr val="267F99"/>
+                </a:solidFill>
+                <a:latin typeface="Consolas"/>
+              </a:rPr>
+              <a:t>RecursiveCharacterTextSplitter</a:t>
+            </a:r>
+            <a:r>
+              <a:rPr lang="en-IN" dirty="0">
+                <a:solidFill>
+                  <a:srgbClr val="3B3B3B"/>
+                </a:solidFill>
+                <a:latin typeface="Consolas"/>
+              </a:rPr>
+              <a:t>(</a:t>
+            </a:r>
+            <a:r>
+              <a:rPr lang="en-IN" dirty="0" err="1">
+                <a:solidFill>
+                  <a:srgbClr val="001080"/>
+                </a:solidFill>
+                <a:latin typeface="Consolas"/>
+              </a:rPr>
+              <a:t>chunk_size</a:t>
+            </a:r>
+            <a:r>
+              <a:rPr lang="en-IN" dirty="0">
+                <a:solidFill>
+                  <a:srgbClr val="000000"/>
+                </a:solidFill>
+                <a:latin typeface="Consolas"/>
+              </a:rPr>
+              <a:t>=</a:t>
+            </a:r>
+            <a:r>
+              <a:rPr lang="en-IN" dirty="0">
+                <a:solidFill>
+                  <a:srgbClr val="098658"/>
+                </a:solidFill>
+                <a:latin typeface="Consolas"/>
+              </a:rPr>
+              <a:t>100</a:t>
+            </a:r>
+            <a:r>
+              <a:rPr lang="en-IN" dirty="0">
+                <a:solidFill>
+                  <a:srgbClr val="3B3B3B"/>
+                </a:solidFill>
+                <a:latin typeface="Consolas"/>
+              </a:rPr>
+              <a:t>,</a:t>
+            </a:r>
+            <a:r>
+              <a:rPr lang="en-IN" dirty="0">
+                <a:solidFill>
+                  <a:srgbClr val="001080"/>
+                </a:solidFill>
+                <a:latin typeface="Consolas"/>
+              </a:rPr>
+              <a:t>chunk_overlap</a:t>
+            </a:r>
+            <a:r>
+              <a:rPr lang="en-IN" dirty="0">
+                <a:solidFill>
+                  <a:srgbClr val="000000"/>
+                </a:solidFill>
+                <a:latin typeface="Consolas"/>
+              </a:rPr>
+              <a:t>=</a:t>
+            </a:r>
+            <a:r>
+              <a:rPr lang="en-IN" dirty="0">
+                <a:solidFill>
+                  <a:srgbClr val="098658"/>
+                </a:solidFill>
+                <a:latin typeface="Consolas"/>
+              </a:rPr>
+              <a:t>20</a:t>
+            </a:r>
+            <a:r>
+              <a:rPr lang="en-IN" dirty="0">
+                <a:solidFill>
+                  <a:srgbClr val="3B3B3B"/>
+                </a:solidFill>
+                <a:latin typeface="Consolas"/>
+              </a:rPr>
+              <a:t>,</a:t>
+            </a:r>
+            <a:r>
+              <a:rPr lang="en-IN" dirty="0">
+                <a:solidFill>
+                  <a:srgbClr val="001080"/>
+                </a:solidFill>
+                <a:latin typeface="Consolas"/>
+              </a:rPr>
+              <a:t>length_function</a:t>
+            </a:r>
+            <a:r>
+              <a:rPr lang="en-IN" dirty="0">
+                <a:solidFill>
+                  <a:srgbClr val="000000"/>
+                </a:solidFill>
+                <a:latin typeface="Consolas"/>
+              </a:rPr>
+              <a:t>=</a:t>
+            </a:r>
+            <a:r>
+              <a:rPr lang="en-IN" dirty="0" err="1">
+                <a:solidFill>
+                  <a:srgbClr val="795E26"/>
+                </a:solidFill>
+                <a:latin typeface="Consolas"/>
+              </a:rPr>
+              <a:t>len</a:t>
+            </a:r>
+            <a:r>
+              <a:rPr lang="en-IN" dirty="0" err="1">
+                <a:solidFill>
+                  <a:srgbClr val="3B3B3B"/>
+                </a:solidFill>
+                <a:latin typeface="Consolas"/>
+              </a:rPr>
+              <a:t>,</a:t>
+            </a:r>
+            <a:r>
+              <a:rPr lang="en-IN" dirty="0" err="1">
+                <a:solidFill>
+                  <a:srgbClr val="001080"/>
+                </a:solidFill>
+                <a:latin typeface="Consolas"/>
+              </a:rPr>
+              <a:t>is_separator_regex</a:t>
+            </a:r>
+            <a:r>
+              <a:rPr lang="en-IN" dirty="0">
+                <a:solidFill>
+                  <a:srgbClr val="000000"/>
+                </a:solidFill>
+                <a:latin typeface="Consolas"/>
+              </a:rPr>
+              <a:t>=</a:t>
+            </a:r>
+            <a:r>
+              <a:rPr lang="en-IN" dirty="0">
+                <a:solidFill>
+                  <a:srgbClr val="0000FF"/>
+                </a:solidFill>
+                <a:latin typeface="Consolas"/>
+              </a:rPr>
+              <a:t>False</a:t>
+            </a:r>
+            <a:r>
+              <a:rPr lang="en-IN" dirty="0">
+                <a:solidFill>
+                  <a:srgbClr val="3B3B3B"/>
+                </a:solidFill>
+                <a:latin typeface="Consolas"/>
+              </a:rPr>
+              <a:t>)</a:t>
+            </a:r>
+          </a:p>
+          <a:p>
+            <a:r>
+              <a:rPr lang="en-IN" dirty="0">
+                <a:solidFill>
+                  <a:srgbClr val="001080"/>
+                </a:solidFill>
+                <a:latin typeface="Consolas"/>
+              </a:rPr>
+              <a:t>texts</a:t>
+            </a:r>
+            <a:r>
+              <a:rPr lang="en-IN" dirty="0">
+                <a:solidFill>
+                  <a:srgbClr val="000000"/>
+                </a:solidFill>
+                <a:latin typeface="Consolas"/>
+              </a:rPr>
+              <a:t>=</a:t>
+            </a:r>
+            <a:r>
+              <a:rPr lang="en-IN" dirty="0" err="1">
+                <a:solidFill>
+                  <a:srgbClr val="001080"/>
+                </a:solidFill>
+                <a:latin typeface="Consolas"/>
+              </a:rPr>
+              <a:t>ts</a:t>
+            </a:r>
+            <a:r>
+              <a:rPr lang="en-IN" dirty="0" err="1">
+                <a:solidFill>
+                  <a:srgbClr val="3B3B3B"/>
+                </a:solidFill>
+                <a:latin typeface="Consolas"/>
+              </a:rPr>
+              <a:t>.</a:t>
+            </a:r>
+            <a:r>
+              <a:rPr lang="en-IN" dirty="0" err="1">
+                <a:solidFill>
+                  <a:srgbClr val="795E26"/>
+                </a:solidFill>
+                <a:latin typeface="Consolas"/>
+              </a:rPr>
+              <a:t>create_documents</a:t>
+            </a:r>
+            <a:r>
+              <a:rPr lang="en-IN" dirty="0">
+                <a:solidFill>
+                  <a:srgbClr val="3B3B3B"/>
+                </a:solidFill>
+                <a:latin typeface="Consolas"/>
+              </a:rPr>
+              <a:t>([</a:t>
+            </a:r>
+            <a:r>
+              <a:rPr lang="en-IN" dirty="0">
+                <a:solidFill>
+                  <a:srgbClr val="001080"/>
+                </a:solidFill>
+                <a:latin typeface="Consolas"/>
+              </a:rPr>
+              <a:t>data</a:t>
+            </a:r>
+            <a:r>
+              <a:rPr lang="en-IN" dirty="0">
+                <a:solidFill>
+                  <a:srgbClr val="3B3B3B"/>
+                </a:solidFill>
+                <a:latin typeface="Consolas"/>
+              </a:rPr>
+              <a:t>])</a:t>
+            </a:r>
+          </a:p>
+          <a:p>
+            <a:r>
+              <a:rPr lang="en-IN" dirty="0">
+                <a:solidFill>
+                  <a:srgbClr val="AF00DB"/>
+                </a:solidFill>
+                <a:latin typeface="Consolas"/>
+              </a:rPr>
+              <a:t>for</a:t>
+            </a:r>
+            <a:r>
+              <a:rPr lang="en-IN" dirty="0">
+                <a:solidFill>
+                  <a:srgbClr val="3B3B3B"/>
+                </a:solidFill>
+                <a:latin typeface="Consolas"/>
+              </a:rPr>
+              <a:t> </a:t>
+            </a:r>
+            <a:r>
+              <a:rPr lang="en-IN" dirty="0">
+                <a:solidFill>
+                  <a:srgbClr val="001080"/>
+                </a:solidFill>
+                <a:latin typeface="Consolas"/>
+              </a:rPr>
+              <a:t>text</a:t>
+            </a:r>
+            <a:r>
+              <a:rPr lang="en-IN" dirty="0">
+                <a:solidFill>
+                  <a:srgbClr val="3B3B3B"/>
+                </a:solidFill>
+                <a:latin typeface="Consolas"/>
+              </a:rPr>
+              <a:t> </a:t>
+            </a:r>
+            <a:r>
+              <a:rPr lang="en-IN" dirty="0">
+                <a:solidFill>
+                  <a:srgbClr val="AF00DB"/>
+                </a:solidFill>
+                <a:latin typeface="Consolas"/>
+              </a:rPr>
+              <a:t>in</a:t>
+            </a:r>
+            <a:r>
+              <a:rPr lang="en-IN" dirty="0">
+                <a:solidFill>
+                  <a:srgbClr val="3B3B3B"/>
+                </a:solidFill>
+                <a:latin typeface="Consolas"/>
+              </a:rPr>
+              <a:t> </a:t>
+            </a:r>
+            <a:r>
+              <a:rPr lang="en-IN" dirty="0">
+                <a:solidFill>
+                  <a:srgbClr val="001080"/>
+                </a:solidFill>
+                <a:latin typeface="Consolas"/>
+              </a:rPr>
+              <a:t>texts</a:t>
+            </a:r>
+            <a:r>
+              <a:rPr lang="en-IN" dirty="0">
+                <a:solidFill>
+                  <a:srgbClr val="3B3B3B"/>
+                </a:solidFill>
+                <a:latin typeface="Consolas"/>
+              </a:rPr>
+              <a:t>:</a:t>
+            </a:r>
+          </a:p>
+          <a:p>
+            <a:r>
+              <a:rPr lang="en-IN" dirty="0">
+                <a:solidFill>
+                  <a:srgbClr val="3B3B3B"/>
+                </a:solidFill>
+                <a:latin typeface="Consolas"/>
+              </a:rPr>
+              <a:t>    </a:t>
+            </a:r>
+            <a:r>
+              <a:rPr lang="en-IN" dirty="0">
+                <a:solidFill>
+                  <a:srgbClr val="795E26"/>
+                </a:solidFill>
+                <a:latin typeface="Consolas"/>
+              </a:rPr>
+              <a:t>print</a:t>
+            </a:r>
+            <a:r>
+              <a:rPr lang="en-IN" dirty="0">
+                <a:solidFill>
+                  <a:srgbClr val="3B3B3B"/>
+                </a:solidFill>
+                <a:latin typeface="Consolas"/>
+              </a:rPr>
+              <a:t>(</a:t>
+            </a:r>
+            <a:r>
+              <a:rPr lang="en-IN" dirty="0" err="1">
+                <a:solidFill>
+                  <a:srgbClr val="001080"/>
+                </a:solidFill>
+                <a:latin typeface="Consolas"/>
+              </a:rPr>
+              <a:t>text</a:t>
+            </a:r>
+            <a:r>
+              <a:rPr lang="en-IN" dirty="0" err="1">
+                <a:solidFill>
+                  <a:srgbClr val="3B3B3B"/>
+                </a:solidFill>
+                <a:latin typeface="Consolas"/>
+              </a:rPr>
+              <a:t>.</a:t>
+            </a:r>
+            <a:r>
+              <a:rPr lang="en-IN" dirty="0" err="1">
+                <a:solidFill>
+                  <a:srgbClr val="001080"/>
+                </a:solidFill>
+                <a:latin typeface="Consolas"/>
+              </a:rPr>
+              <a:t>page_content</a:t>
+            </a:r>
+            <a:r>
+              <a:rPr lang="en-IN">
+                <a:solidFill>
+                  <a:srgbClr val="000000"/>
+                </a:solidFill>
+                <a:latin typeface="Consolas"/>
+              </a:rPr>
+              <a:t>+</a:t>
+            </a:r>
+            <a:r>
+              <a:rPr lang="en-IN">
+                <a:solidFill>
+                  <a:srgbClr val="A31515"/>
+                </a:solidFill>
+                <a:latin typeface="Consolas"/>
+              </a:rPr>
+              <a:t>"</a:t>
+            </a:r>
+            <a:r>
+              <a:rPr lang="en-IN">
+                <a:solidFill>
+                  <a:srgbClr val="EE0000"/>
+                </a:solidFill>
+                <a:latin typeface="Consolas"/>
+              </a:rPr>
+              <a:t>\n\n</a:t>
+            </a:r>
+            <a:r>
+              <a:rPr lang="en-IN">
+                <a:solidFill>
+                  <a:srgbClr val="A31515"/>
+                </a:solidFill>
+                <a:latin typeface="Consolas"/>
+              </a:rPr>
+              <a:t>"</a:t>
+            </a:r>
+            <a:r>
+              <a:rPr lang="en-IN">
+                <a:solidFill>
+                  <a:srgbClr val="3B3B3B"/>
+                </a:solidFill>
+                <a:latin typeface="Consolas"/>
+              </a:rPr>
+              <a:t>)</a:t>
+            </a:r>
+          </a:p>
+          <a:p>
+            <a:endParaRPr lang="en-IN" dirty="0"/>
+          </a:p>
+        </p:txBody>
+      </p:sp>
+    </p:spTree>
+    <p:extLst>
+      <p:ext uri="{BB962C8B-B14F-4D97-AF65-F5344CB8AC3E}">
+        <p14:creationId xmlns:p14="http://schemas.microsoft.com/office/powerpoint/2010/main" val="992176590"/>
       </p:ext>
     </p:extLst>
   </p:cSld>
@@ -5056,7 +6037,7 @@
   <a:extraClrSchemeLst/>
   <a:extLst>
     <a:ext uri="{05A4C25C-085E-4340-85A3-A5531E510DB2}">
-      <thm15:themeFamily xmlns:thm15="http://schemas.microsoft.com/office/thememl/2012/main" name="AdornVTI" id="{497E3FA9-5A27-4D12-9D04-917BEF3D1303}" vid="{34192A01-61CA-4566-9818-841C607496F7}"/>
+      <thm15:themeFamily xmlns="" xmlns:thm15="http://schemas.microsoft.com/office/thememl/2012/main" name="AdornVTI" id="{497E3FA9-5A27-4D12-9D04-917BEF3D1303}" vid="{34192A01-61CA-4566-9818-841C607496F7}"/>
     </a:ext>
   </a:extLst>
 </a:theme>
